--- a/.lessons/Practice.pptx
+++ b/.lessons/Practice.pptx
@@ -371,7 +371,7 @@
           <a:p>
             <a:fld id="{AD6CDC28-10E2-4CDE-A5FF-6E49B37A1343}" type="datetimeFigureOut">
               <a:rPr lang="en-US" smtClean="0"/>
-              <a:t>10/12/2025</a:t>
+              <a:t>10/13/2025</a:t>
             </a:fld>
             <a:endParaRPr lang="en-US"/>
           </a:p>
@@ -569,7 +569,7 @@
           <a:p>
             <a:fld id="{AD6CDC28-10E2-4CDE-A5FF-6E49B37A1343}" type="datetimeFigureOut">
               <a:rPr lang="en-US" smtClean="0"/>
-              <a:t>10/12/2025</a:t>
+              <a:t>10/13/2025</a:t>
             </a:fld>
             <a:endParaRPr lang="en-US"/>
           </a:p>
@@ -777,7 +777,7 @@
           <a:p>
             <a:fld id="{AD6CDC28-10E2-4CDE-A5FF-6E49B37A1343}" type="datetimeFigureOut">
               <a:rPr lang="en-US" smtClean="0"/>
-              <a:t>10/12/2025</a:t>
+              <a:t>10/13/2025</a:t>
             </a:fld>
             <a:endParaRPr lang="en-US"/>
           </a:p>
@@ -975,7 +975,7 @@
           <a:p>
             <a:fld id="{AD6CDC28-10E2-4CDE-A5FF-6E49B37A1343}" type="datetimeFigureOut">
               <a:rPr lang="en-US" smtClean="0"/>
-              <a:t>10/12/2025</a:t>
+              <a:t>10/13/2025</a:t>
             </a:fld>
             <a:endParaRPr lang="en-US"/>
           </a:p>
@@ -1250,7 +1250,7 @@
           <a:p>
             <a:fld id="{AD6CDC28-10E2-4CDE-A5FF-6E49B37A1343}" type="datetimeFigureOut">
               <a:rPr lang="en-US" smtClean="0"/>
-              <a:t>10/12/2025</a:t>
+              <a:t>10/13/2025</a:t>
             </a:fld>
             <a:endParaRPr lang="en-US"/>
           </a:p>
@@ -1515,7 +1515,7 @@
           <a:p>
             <a:fld id="{AD6CDC28-10E2-4CDE-A5FF-6E49B37A1343}" type="datetimeFigureOut">
               <a:rPr lang="en-US" smtClean="0"/>
-              <a:t>10/12/2025</a:t>
+              <a:t>10/13/2025</a:t>
             </a:fld>
             <a:endParaRPr lang="en-US"/>
           </a:p>
@@ -1927,7 +1927,7 @@
           <a:p>
             <a:fld id="{AD6CDC28-10E2-4CDE-A5FF-6E49B37A1343}" type="datetimeFigureOut">
               <a:rPr lang="en-US" smtClean="0"/>
-              <a:t>10/12/2025</a:t>
+              <a:t>10/13/2025</a:t>
             </a:fld>
             <a:endParaRPr lang="en-US"/>
           </a:p>
@@ -2068,7 +2068,7 @@
           <a:p>
             <a:fld id="{AD6CDC28-10E2-4CDE-A5FF-6E49B37A1343}" type="datetimeFigureOut">
               <a:rPr lang="en-US" smtClean="0"/>
-              <a:t>10/12/2025</a:t>
+              <a:t>10/13/2025</a:t>
             </a:fld>
             <a:endParaRPr lang="en-US"/>
           </a:p>
@@ -2181,7 +2181,7 @@
           <a:p>
             <a:fld id="{AD6CDC28-10E2-4CDE-A5FF-6E49B37A1343}" type="datetimeFigureOut">
               <a:rPr lang="en-US" smtClean="0"/>
-              <a:t>10/12/2025</a:t>
+              <a:t>10/13/2025</a:t>
             </a:fld>
             <a:endParaRPr lang="en-US"/>
           </a:p>
@@ -2492,7 +2492,7 @@
           <a:p>
             <a:fld id="{AD6CDC28-10E2-4CDE-A5FF-6E49B37A1343}" type="datetimeFigureOut">
               <a:rPr lang="en-US" smtClean="0"/>
-              <a:t>10/12/2025</a:t>
+              <a:t>10/13/2025</a:t>
             </a:fld>
             <a:endParaRPr lang="en-US"/>
           </a:p>
@@ -2780,7 +2780,7 @@
           <a:p>
             <a:fld id="{AD6CDC28-10E2-4CDE-A5FF-6E49B37A1343}" type="datetimeFigureOut">
               <a:rPr lang="en-US" smtClean="0"/>
-              <a:t>10/12/2025</a:t>
+              <a:t>10/13/2025</a:t>
             </a:fld>
             <a:endParaRPr lang="en-US"/>
           </a:p>
@@ -3021,7 +3021,7 @@
           <a:p>
             <a:fld id="{AD6CDC28-10E2-4CDE-A5FF-6E49B37A1343}" type="datetimeFigureOut">
               <a:rPr lang="en-US" smtClean="0"/>
-              <a:t>10/12/2025</a:t>
+              <a:t>10/13/2025</a:t>
             </a:fld>
             <a:endParaRPr lang="en-US"/>
           </a:p>
@@ -20961,8 +20961,8 @@
         </p:nvSpPr>
         <p:spPr>
           <a:xfrm>
-            <a:off x="203200" y="244826"/>
-            <a:ext cx="11822545" cy="6342377"/>
+            <a:off x="92363" y="119312"/>
+            <a:ext cx="11822545" cy="6619376"/>
           </a:xfrm>
           <a:prstGeom prst="rect">
             <a:avLst/>
@@ -21026,9 +21026,6 @@
             <a:endParaRPr lang="az-Latn-AZ" sz="1200"/>
           </a:p>
           <a:p>
-            <a:endParaRPr lang="az-Latn-AZ" sz="1200"/>
-          </a:p>
-          <a:p>
             <a:r>
               <a:rPr lang="en-US" sz="1200" b="1"/>
               <a:t>a2dissite 000-default.conf </a:t>
@@ -21321,6 +21318,30 @@
               <a:rPr lang="en-US" sz="1200"/>
               <a:t> aç."</a:t>
             </a:r>
+            <a:r>
+              <a:rPr lang="az-Latn-AZ" sz="1200"/>
+              <a:t>  Bu Apache-in "</a:t>
+            </a:r>
+            <a:r>
+              <a:rPr lang="az-Latn-AZ" sz="1200" b="1"/>
+              <a:t>failsafe</a:t>
+            </a:r>
+            <a:r>
+              <a:rPr lang="az-Latn-AZ" sz="1200"/>
+              <a:t>", yəni ehtiyat planıdır: heç bir konfiqurasiya olmasa </a:t>
+            </a:r>
+          </a:p>
+          <a:p>
+            <a:pPr>
+              <a:lnSpc>
+                <a:spcPct val="150000"/>
+              </a:lnSpc>
+            </a:pPr>
+            <a:r>
+              <a:rPr lang="az-Latn-AZ" sz="1200"/>
+              <a:t>belə, server "boş" qalmasın.</a:t>
+            </a:r>
+            <a:endParaRPr lang="en-US" sz="1200"/>
           </a:p>
         </p:txBody>
       </p:sp>
@@ -21346,7 +21367,7 @@
         </p:blipFill>
         <p:spPr>
           <a:xfrm>
-            <a:off x="0" y="581378"/>
+            <a:off x="92363" y="424360"/>
             <a:ext cx="5292436" cy="2326194"/>
           </a:xfrm>
           <a:prstGeom prst="rect">
@@ -21435,7 +21456,7 @@
         <p:spPr>
           <a:xfrm>
             <a:off x="203200" y="244826"/>
-            <a:ext cx="11822545" cy="276999"/>
+            <a:ext cx="11822545" cy="4585871"/>
           </a:xfrm>
           <a:prstGeom prst="rect">
             <a:avLst/>
@@ -21450,12 +21471,122 @@
           <a:p>
             <a:r>
               <a:rPr lang="az-Latn-AZ" sz="1200"/>
-              <a:t>.</a:t>
+              <a:t>Bura qədər olan mövzuları sonlandırmadan, </a:t>
+            </a:r>
+            <a:r>
+              <a:rPr lang="az-Latn-AZ" sz="1200" b="1"/>
+              <a:t>000-default.conf </a:t>
+            </a:r>
+            <a:r>
+              <a:rPr lang="az-Latn-AZ" sz="1200"/>
+              <a:t>faylını aktiv edək.</a:t>
+            </a:r>
+          </a:p>
+          <a:p>
+            <a:endParaRPr lang="az-Latn-AZ" sz="1200"/>
+          </a:p>
+          <a:p>
+            <a:endParaRPr lang="az-Latn-AZ" sz="1200"/>
+          </a:p>
+          <a:p>
+            <a:endParaRPr lang="az-Latn-AZ" sz="1200"/>
+          </a:p>
+          <a:p>
+            <a:endParaRPr lang="az-Latn-AZ" sz="1200"/>
+          </a:p>
+          <a:p>
+            <a:endParaRPr lang="az-Latn-AZ" sz="1200"/>
+          </a:p>
+          <a:p>
+            <a:endParaRPr lang="az-Latn-AZ" sz="1200"/>
+          </a:p>
+          <a:p>
+            <a:endParaRPr lang="az-Latn-AZ" sz="1200"/>
+          </a:p>
+          <a:p>
+            <a:endParaRPr lang="az-Latn-AZ" sz="1200"/>
+          </a:p>
+          <a:p>
+            <a:endParaRPr lang="az-Latn-AZ" sz="1200"/>
+          </a:p>
+          <a:p>
+            <a:endParaRPr lang="az-Latn-AZ" sz="1200"/>
+          </a:p>
+          <a:p>
+            <a:endParaRPr lang="az-Latn-AZ" sz="1200"/>
+          </a:p>
+          <a:p>
+            <a:endParaRPr lang="az-Latn-AZ" sz="1200"/>
+          </a:p>
+          <a:p>
+            <a:endParaRPr lang="az-Latn-AZ" sz="1200"/>
+          </a:p>
+          <a:p>
+            <a:endParaRPr lang="az-Latn-AZ" sz="1200"/>
+          </a:p>
+          <a:p>
+            <a:endParaRPr lang="az-Latn-AZ" sz="1200"/>
+          </a:p>
+          <a:p>
+            <a:endParaRPr lang="az-Latn-AZ" sz="1200"/>
+          </a:p>
+          <a:p>
+            <a:endParaRPr lang="az-Latn-AZ" sz="1200"/>
+          </a:p>
+          <a:p>
+            <a:endParaRPr lang="az-Latn-AZ" sz="1200"/>
+          </a:p>
+          <a:p>
+            <a:endParaRPr lang="az-Latn-AZ" sz="1200"/>
+          </a:p>
+          <a:p>
+            <a:endParaRPr lang="az-Latn-AZ" sz="1200"/>
+          </a:p>
+          <a:p>
+            <a:endParaRPr lang="az-Latn-AZ" sz="1200"/>
+          </a:p>
+          <a:p>
+            <a:endParaRPr lang="az-Latn-AZ" sz="1200"/>
+          </a:p>
+          <a:p>
+            <a:r>
+              <a:rPr lang="az-Latn-AZ"/>
+              <a:t>İndi növbəti slaydda isə öz veb səhifəmizi əlavə edərək onu aktiv hala gətirəcək və testdən keçirəsiyik.</a:t>
             </a:r>
             <a:endParaRPr lang="en-US" sz="1200"/>
           </a:p>
         </p:txBody>
       </p:sp>
+      <p:pic>
+        <p:nvPicPr>
+          <p:cNvPr id="3" name="Picture 2">
+            <a:extLst>
+              <a:ext uri="{FF2B5EF4-FFF2-40B4-BE49-F238E27FC236}">
+                <a16:creationId xmlns:a16="http://schemas.microsoft.com/office/drawing/2014/main" id="{CA740C0B-9ACB-49E5-3501-53E4C7D7D5B3}"/>
+              </a:ext>
+            </a:extLst>
+          </p:cNvPr>
+          <p:cNvPicPr>
+            <a:picLocks noChangeAspect="1"/>
+          </p:cNvPicPr>
+          <p:nvPr/>
+        </p:nvPicPr>
+        <p:blipFill>
+          <a:blip r:embed="rId2"/>
+          <a:stretch>
+            <a:fillRect/>
+          </a:stretch>
+        </p:blipFill>
+        <p:spPr>
+          <a:xfrm>
+            <a:off x="0" y="673038"/>
+            <a:ext cx="7373379" cy="2962688"/>
+          </a:xfrm>
+          <a:prstGeom prst="rect">
+            <a:avLst/>
+          </a:prstGeom>
+        </p:spPr>
+      </p:pic>
     </p:spTree>
     <p:extLst>
       <p:ext uri="{BB962C8B-B14F-4D97-AF65-F5344CB8AC3E}">
@@ -21507,7 +21638,7 @@
         <p:spPr>
           <a:xfrm>
             <a:off x="203200" y="244826"/>
-            <a:ext cx="11822545" cy="276999"/>
+            <a:ext cx="11822545" cy="2556726"/>
           </a:xfrm>
           <a:prstGeom prst="rect">
             <a:avLst/>
@@ -21522,12 +21653,267 @@
           <a:p>
             <a:r>
               <a:rPr lang="az-Latn-AZ" sz="1200"/>
+              <a:t>Əgər biz </a:t>
+            </a:r>
+            <a:r>
+              <a:rPr lang="az-Latn-AZ" sz="1200" b="1">
+                <a:solidFill>
+                  <a:srgbClr val="FF0000"/>
+                </a:solidFill>
+              </a:rPr>
+              <a:t>default</a:t>
+            </a:r>
+            <a:r>
+              <a:rPr lang="az-Latn-AZ" sz="1200"/>
+              <a:t> olmayan, özümüzün yaratdığı bir </a:t>
+            </a:r>
+            <a:r>
+              <a:rPr lang="az-Latn-AZ" sz="1200" b="1"/>
+              <a:t>virtual host faylını deaktiv </a:t>
+            </a:r>
+            <a:r>
+              <a:rPr lang="az-Latn-AZ" sz="1200"/>
+              <a:t>etsən (yəni simvolik link </a:t>
+            </a:r>
+            <a:r>
+              <a:rPr lang="az-Latn-AZ" sz="1200" b="1"/>
+              <a:t>sites-enabled/ </a:t>
+            </a:r>
+            <a:r>
+              <a:rPr lang="az-Latn-AZ" sz="1200"/>
+              <a:t>qovluğundan silinsə), həmin sayt açılmayacaq. </a:t>
+            </a:r>
+            <a:r>
+              <a:rPr lang="az-Latn-AZ" sz="1200" b="1"/>
+              <a:t>Apache</a:t>
+            </a:r>
+            <a:r>
+              <a:rPr lang="az-Latn-AZ" sz="1200"/>
+              <a:t> yalnız </a:t>
+            </a:r>
+            <a:r>
+              <a:rPr lang="az-Latn-AZ" sz="1200" b="1"/>
+              <a:t>sites-enabled/</a:t>
+            </a:r>
+            <a:r>
+              <a:rPr lang="az-Latn-AZ" sz="1200"/>
+              <a:t> içindəki simvolik linkləri oxuyur. Orda olmayan heç bir sayt aktiv sayılmır.</a:t>
+            </a:r>
+          </a:p>
+          <a:p>
+            <a:endParaRPr lang="az-Latn-AZ" sz="1200"/>
+          </a:p>
+          <a:p>
+            <a:pPr marL="228600" indent="-228600">
+              <a:lnSpc>
+                <a:spcPct val="150000"/>
+              </a:lnSpc>
+              <a:buAutoNum type="alphaLcParenR"/>
+            </a:pPr>
+            <a:r>
+              <a:rPr lang="az-Latn-AZ" sz="1200" b="1">
+                <a:solidFill>
+                  <a:srgbClr val="FF0000"/>
+                </a:solidFill>
+              </a:rPr>
+              <a:t>cp</a:t>
+            </a:r>
+            <a:r>
+              <a:rPr lang="az-Latn-AZ" sz="1200"/>
+              <a:t> 			- əmri ilə </a:t>
+            </a:r>
+            <a:r>
+              <a:rPr lang="az-Latn-AZ" sz="1200" b="1" i="1"/>
+              <a:t>mytest.conf </a:t>
+            </a:r>
+            <a:r>
+              <a:rPr lang="az-Latn-AZ" sz="1200"/>
+              <a:t>adında yeni sayt konfiqurasiya faylı yaradırıq.</a:t>
+            </a:r>
+          </a:p>
+          <a:p>
+            <a:pPr marL="228600" indent="-228600">
+              <a:lnSpc>
+                <a:spcPct val="150000"/>
+              </a:lnSpc>
+              <a:buAutoNum type="alphaLcParenR"/>
+            </a:pPr>
+            <a:r>
+              <a:rPr lang="az-Latn-AZ" sz="1200" b="1">
+                <a:solidFill>
+                  <a:srgbClr val="FF0000"/>
+                </a:solidFill>
+              </a:rPr>
+              <a:t>mousepad</a:t>
+            </a:r>
+            <a:r>
+              <a:rPr lang="az-Latn-AZ" sz="1200"/>
+              <a:t> ilə açaraq f</a:t>
+            </a:r>
+            <a:r>
+              <a:rPr lang="en-US" sz="1200"/>
+              <a:t>aylı </a:t>
+            </a:r>
+            <a:r>
+              <a:rPr lang="az-Latn-AZ" sz="1200"/>
+              <a:t>	- </a:t>
+            </a:r>
+            <a:r>
+              <a:rPr lang="en-US" sz="1200"/>
+              <a:t>redaktə e</a:t>
+            </a:r>
+            <a:r>
+              <a:rPr lang="az-Latn-AZ" sz="1200"/>
+              <a:t>dirik.</a:t>
+            </a:r>
+          </a:p>
+          <a:p>
+            <a:pPr marL="228600" indent="-228600">
+              <a:lnSpc>
+                <a:spcPct val="150000"/>
+              </a:lnSpc>
+              <a:buAutoNum type="alphaLcParenR"/>
+            </a:pPr>
+            <a:r>
+              <a:rPr lang="az-Latn-AZ" sz="1200" b="1">
+                <a:solidFill>
+                  <a:srgbClr val="FF0000"/>
+                </a:solidFill>
+              </a:rPr>
+              <a:t>mkdir</a:t>
+            </a:r>
+            <a:r>
+              <a:rPr lang="az-Latn-AZ" sz="1200"/>
+              <a:t> </a:t>
+            </a:r>
+            <a:r>
+              <a:rPr lang="en-US" sz="1200"/>
+              <a:t>&amp; </a:t>
+            </a:r>
+            <a:r>
+              <a:rPr lang="az-Latn-AZ" sz="1200" b="1">
+                <a:solidFill>
+                  <a:srgbClr val="FF0000"/>
+                </a:solidFill>
+              </a:rPr>
+              <a:t>tee</a:t>
+            </a:r>
+            <a:r>
+              <a:rPr lang="en-US" sz="1200"/>
+              <a:t> </a:t>
+            </a:r>
+            <a:r>
+              <a:rPr lang="az-Latn-AZ" sz="1200"/>
+              <a:t>ilə 		- </a:t>
+            </a:r>
+            <a:r>
+              <a:rPr lang="en-US" sz="1200"/>
+              <a:t>yeni qovluq və test faylı yaradırıq</a:t>
+            </a:r>
+            <a:endParaRPr lang="az-Latn-AZ" sz="1200"/>
+          </a:p>
+          <a:p>
+            <a:pPr marL="228600" indent="-228600">
+              <a:lnSpc>
+                <a:spcPct val="150000"/>
+              </a:lnSpc>
+              <a:buAutoNum type="alphaLcParenR"/>
+            </a:pPr>
+            <a:r>
+              <a:rPr lang="en-US" sz="1200" b="1">
+                <a:solidFill>
+                  <a:srgbClr val="FF0000"/>
+                </a:solidFill>
+              </a:rPr>
+              <a:t>apache2</a:t>
+            </a:r>
+            <a:r>
+              <a:rPr lang="en-US" sz="1200"/>
+              <a:t>-də bu saytı aktiv edirik</a:t>
+            </a:r>
+            <a:r>
+              <a:rPr lang="az-Latn-AZ" sz="1200"/>
+              <a:t> və restart veririk serverə</a:t>
+            </a:r>
+            <a:r>
+              <a:rPr lang="en-US" sz="1200"/>
               <a:t>.</a:t>
+            </a:r>
+            <a:endParaRPr lang="az-Latn-AZ" sz="1200"/>
+          </a:p>
+          <a:p>
+            <a:pPr marL="228600" indent="-228600">
+              <a:lnSpc>
+                <a:spcPct val="150000"/>
+              </a:lnSpc>
+              <a:buAutoNum type="alphaLcParenR"/>
+            </a:pPr>
+            <a:r>
+              <a:rPr lang="az-Latn-AZ" sz="1200" b="1">
+                <a:solidFill>
+                  <a:srgbClr val="FF0000"/>
+                </a:solidFill>
+              </a:rPr>
+              <a:t>ls -l</a:t>
+            </a:r>
+            <a:r>
+              <a:rPr lang="az-Latn-AZ" sz="1200"/>
+              <a:t> ilə			- simvolik linkin yaranaıb yaranmadığını yoxlamaq olar.</a:t>
+            </a:r>
+          </a:p>
+          <a:p>
+            <a:pPr>
+              <a:lnSpc>
+                <a:spcPct val="150000"/>
+              </a:lnSpc>
+            </a:pPr>
+            <a:endParaRPr lang="az-Latn-AZ" sz="1200"/>
+          </a:p>
+          <a:p>
+            <a:pPr>
+              <a:lnSpc>
+                <a:spcPct val="150000"/>
+              </a:lnSpc>
+            </a:pPr>
+            <a:r>
+              <a:rPr lang="az-Latn-AZ" sz="1200"/>
+              <a:t>Ardı növbəti slaydda....</a:t>
             </a:r>
             <a:endParaRPr lang="en-US" sz="1200"/>
           </a:p>
         </p:txBody>
       </p:sp>
+      <p:pic>
+        <p:nvPicPr>
+          <p:cNvPr id="3" name="Picture 2">
+            <a:extLst>
+              <a:ext uri="{FF2B5EF4-FFF2-40B4-BE49-F238E27FC236}">
+                <a16:creationId xmlns:a16="http://schemas.microsoft.com/office/drawing/2014/main" id="{CB8BFBC9-0141-DAC3-3FFD-5DD853534965}"/>
+              </a:ext>
+            </a:extLst>
+          </p:cNvPr>
+          <p:cNvPicPr>
+            <a:picLocks noChangeAspect="1"/>
+          </p:cNvPicPr>
+          <p:nvPr/>
+        </p:nvPicPr>
+        <p:blipFill>
+          <a:blip r:embed="rId2"/>
+          <a:srcRect t="9081" b="12551"/>
+          <a:stretch>
+            <a:fillRect/>
+          </a:stretch>
+        </p:blipFill>
+        <p:spPr>
+          <a:xfrm>
+            <a:off x="0" y="2964873"/>
+            <a:ext cx="12192000" cy="3893127"/>
+          </a:xfrm>
+          <a:prstGeom prst="rect">
+            <a:avLst/>
+          </a:prstGeom>
+        </p:spPr>
+      </p:pic>
     </p:spTree>
     <p:extLst>
       <p:ext uri="{BB962C8B-B14F-4D97-AF65-F5344CB8AC3E}">
@@ -21579,7 +21965,7 @@
         <p:spPr>
           <a:xfrm>
             <a:off x="203200" y="244826"/>
-            <a:ext cx="11822545" cy="276999"/>
+            <a:ext cx="11822545" cy="4524315"/>
           </a:xfrm>
           <a:prstGeom prst="rect">
             <a:avLst/>
@@ -21594,12 +21980,299 @@
           <a:p>
             <a:r>
               <a:rPr lang="az-Latn-AZ" sz="1200"/>
-              <a:t>.</a:t>
+              <a:t>f) </a:t>
+            </a:r>
+            <a:r>
+              <a:rPr lang="az-Latn-AZ" sz="1200" b="1">
+                <a:solidFill>
+                  <a:srgbClr val="FF0000"/>
+                </a:solidFill>
+              </a:rPr>
+              <a:t>/etc/hosts </a:t>
+            </a:r>
+            <a:r>
+              <a:rPr lang="az-Latn-AZ" sz="1200"/>
+              <a:t>faylında </a:t>
+            </a:r>
+            <a:r>
+              <a:rPr lang="az-Latn-AZ" sz="1200" b="1"/>
+              <a:t>mytest.local </a:t>
+            </a:r>
+            <a:r>
+              <a:rPr lang="az-Latn-AZ" sz="1200"/>
+              <a:t>domenini tanıdırıq.</a:t>
+            </a:r>
+          </a:p>
+          <a:p>
+            <a:endParaRPr lang="az-Latn-AZ" sz="1200"/>
+          </a:p>
+          <a:p>
+            <a:endParaRPr lang="az-Latn-AZ" sz="1200"/>
+          </a:p>
+          <a:p>
+            <a:endParaRPr lang="az-Latn-AZ" sz="1200"/>
+          </a:p>
+          <a:p>
+            <a:endParaRPr lang="az-Latn-AZ" sz="1200"/>
+          </a:p>
+          <a:p>
+            <a:endParaRPr lang="az-Latn-AZ" sz="1200"/>
+          </a:p>
+          <a:p>
+            <a:endParaRPr lang="az-Latn-AZ" sz="1200"/>
+          </a:p>
+          <a:p>
+            <a:endParaRPr lang="az-Latn-AZ" sz="1200"/>
+          </a:p>
+          <a:p>
+            <a:endParaRPr lang="az-Latn-AZ" sz="1200"/>
+          </a:p>
+          <a:p>
+            <a:endParaRPr lang="az-Latn-AZ" sz="1200"/>
+          </a:p>
+          <a:p>
+            <a:endParaRPr lang="az-Latn-AZ" sz="1200"/>
+          </a:p>
+          <a:p>
+            <a:endParaRPr lang="az-Latn-AZ" sz="1200"/>
+          </a:p>
+          <a:p>
+            <a:endParaRPr lang="az-Latn-AZ" sz="1200"/>
+          </a:p>
+          <a:p>
+            <a:endParaRPr lang="az-Latn-AZ" sz="1200"/>
+          </a:p>
+          <a:p>
+            <a:r>
+              <a:rPr lang="az-Latn-AZ" sz="1200" b="1">
+                <a:solidFill>
+                  <a:srgbClr val="FF0000"/>
+                </a:solidFill>
+              </a:rPr>
+              <a:t>g)</a:t>
+            </a:r>
+            <a:r>
+              <a:rPr lang="az-Latn-AZ" sz="1200"/>
+              <a:t> sonra serveri hər ehtimala yenidən </a:t>
+            </a:r>
+            <a:r>
+              <a:rPr lang="az-Latn-AZ" sz="1200" b="1"/>
+              <a:t>reload</a:t>
+            </a:r>
+            <a:r>
+              <a:rPr lang="az-Latn-AZ" sz="1200"/>
+              <a:t> edirik.</a:t>
+            </a:r>
+          </a:p>
+          <a:p>
+            <a:endParaRPr lang="az-Latn-AZ" sz="1200"/>
+          </a:p>
+          <a:p>
+            <a:endParaRPr lang="az-Latn-AZ" sz="1200"/>
+          </a:p>
+          <a:p>
+            <a:endParaRPr lang="az-Latn-AZ" sz="1200"/>
+          </a:p>
+          <a:p>
+            <a:endParaRPr lang="az-Latn-AZ" sz="1200"/>
+          </a:p>
+          <a:p>
+            <a:endParaRPr lang="az-Latn-AZ" sz="1200"/>
+          </a:p>
+          <a:p>
+            <a:endParaRPr lang="az-Latn-AZ" sz="1200"/>
+          </a:p>
+          <a:p>
+            <a:endParaRPr lang="az-Latn-AZ" sz="1200"/>
+          </a:p>
+          <a:p>
+            <a:endParaRPr lang="az-Latn-AZ" sz="1200"/>
+          </a:p>
+          <a:p>
+            <a:r>
+              <a:rPr lang="az-Latn-AZ" sz="1200" b="1">
+                <a:solidFill>
+                  <a:srgbClr val="FF0000"/>
+                </a:solidFill>
+              </a:rPr>
+              <a:t>h) </a:t>
+            </a:r>
+            <a:r>
+              <a:rPr lang="az-Latn-AZ" sz="1200"/>
+              <a:t>artıq </a:t>
+            </a:r>
+            <a:r>
+              <a:rPr lang="az-Latn-AZ" sz="1200" b="1"/>
+              <a:t>localhost</a:t>
+            </a:r>
+            <a:r>
+              <a:rPr lang="az-Latn-AZ" sz="1200"/>
+              <a:t> yazdıqda defaul olan açılacaq, </a:t>
+            </a:r>
+            <a:r>
+              <a:rPr lang="az-Latn-AZ" sz="1200" b="1"/>
+              <a:t>mytest.local </a:t>
+            </a:r>
+            <a:r>
+              <a:rPr lang="az-Latn-AZ" sz="1200"/>
+              <a:t>yazdıqda bizim yaratdığımız. Əgər </a:t>
+            </a:r>
+            <a:r>
+              <a:rPr lang="az-Latn-AZ" sz="1200" b="1"/>
+              <a:t>mytest.conf </a:t>
+            </a:r>
+            <a:r>
+              <a:rPr lang="az-Latn-AZ" sz="1200" b="1">
+                <a:solidFill>
+                  <a:srgbClr val="FF0000"/>
+                </a:solidFill>
+              </a:rPr>
+              <a:t>deaktivdirsə </a:t>
+            </a:r>
+            <a:r>
+              <a:rPr lang="az-Latn-AZ" sz="1200"/>
+              <a:t>onda, </a:t>
+            </a:r>
+            <a:r>
+              <a:rPr lang="az-Latn-AZ" sz="1200" b="1"/>
+              <a:t>mytest.local </a:t>
+            </a:r>
+            <a:r>
+              <a:rPr lang="az-Latn-AZ" sz="1200"/>
+              <a:t>yazdıqda belə </a:t>
+            </a:r>
+            <a:r>
+              <a:rPr lang="az-Latn-AZ" sz="1200" b="1"/>
+              <a:t>default</a:t>
+            </a:r>
+            <a:r>
+              <a:rPr lang="az-Latn-AZ" sz="1200"/>
+              <a:t> səhifə açılacaq.</a:t>
             </a:r>
             <a:endParaRPr lang="en-US" sz="1200"/>
           </a:p>
         </p:txBody>
       </p:sp>
+      <p:pic>
+        <p:nvPicPr>
+          <p:cNvPr id="3" name="Picture 2">
+            <a:extLst>
+              <a:ext uri="{FF2B5EF4-FFF2-40B4-BE49-F238E27FC236}">
+                <a16:creationId xmlns:a16="http://schemas.microsoft.com/office/drawing/2014/main" id="{84C9FDE8-B5C1-9CCA-C5A1-27C347A7605B}"/>
+              </a:ext>
+            </a:extLst>
+          </p:cNvPr>
+          <p:cNvPicPr>
+            <a:picLocks noChangeAspect="1"/>
+          </p:cNvPicPr>
+          <p:nvPr/>
+        </p:nvPicPr>
+        <p:blipFill>
+          <a:blip r:embed="rId2"/>
+          <a:stretch>
+            <a:fillRect/>
+          </a:stretch>
+        </p:blipFill>
+        <p:spPr>
+          <a:xfrm>
+            <a:off x="203201" y="683392"/>
+            <a:ext cx="4221018" cy="1970882"/>
+          </a:xfrm>
+          <a:prstGeom prst="rect">
+            <a:avLst/>
+          </a:prstGeom>
+        </p:spPr>
+      </p:pic>
+      <p:pic>
+        <p:nvPicPr>
+          <p:cNvPr id="5" name="Picture 4">
+            <a:extLst>
+              <a:ext uri="{FF2B5EF4-FFF2-40B4-BE49-F238E27FC236}">
+                <a16:creationId xmlns:a16="http://schemas.microsoft.com/office/drawing/2014/main" id="{CC1FD645-A9F7-2CBB-DE2F-55FABF1241C4}"/>
+              </a:ext>
+            </a:extLst>
+          </p:cNvPr>
+          <p:cNvPicPr>
+            <a:picLocks noChangeAspect="1"/>
+          </p:cNvPicPr>
+          <p:nvPr/>
+        </p:nvPicPr>
+        <p:blipFill>
+          <a:blip r:embed="rId3"/>
+          <a:stretch>
+            <a:fillRect/>
+          </a:stretch>
+        </p:blipFill>
+        <p:spPr>
+          <a:xfrm>
+            <a:off x="203200" y="3189339"/>
+            <a:ext cx="2534004" cy="857370"/>
+          </a:xfrm>
+          <a:prstGeom prst="rect">
+            <a:avLst/>
+          </a:prstGeom>
+        </p:spPr>
+      </p:pic>
+      <p:pic>
+        <p:nvPicPr>
+          <p:cNvPr id="8" name="Picture 7">
+            <a:extLst>
+              <a:ext uri="{FF2B5EF4-FFF2-40B4-BE49-F238E27FC236}">
+                <a16:creationId xmlns:a16="http://schemas.microsoft.com/office/drawing/2014/main" id="{0F219F3A-F3E5-3F1C-3C37-F74B8807B8EE}"/>
+              </a:ext>
+            </a:extLst>
+          </p:cNvPr>
+          <p:cNvPicPr>
+            <a:picLocks noChangeAspect="1"/>
+          </p:cNvPicPr>
+          <p:nvPr/>
+        </p:nvPicPr>
+        <p:blipFill>
+          <a:blip r:embed="rId4"/>
+          <a:stretch>
+            <a:fillRect/>
+          </a:stretch>
+        </p:blipFill>
+        <p:spPr>
+          <a:xfrm>
+            <a:off x="0" y="4744720"/>
+            <a:ext cx="3962400" cy="2113280"/>
+          </a:xfrm>
+          <a:prstGeom prst="rect">
+            <a:avLst/>
+          </a:prstGeom>
+        </p:spPr>
+      </p:pic>
+      <p:pic>
+        <p:nvPicPr>
+          <p:cNvPr id="10" name="Picture 9">
+            <a:extLst>
+              <a:ext uri="{FF2B5EF4-FFF2-40B4-BE49-F238E27FC236}">
+                <a16:creationId xmlns:a16="http://schemas.microsoft.com/office/drawing/2014/main" id="{A7C47753-BC86-69EC-F947-244A88A9D262}"/>
+              </a:ext>
+            </a:extLst>
+          </p:cNvPr>
+          <p:cNvPicPr>
+            <a:picLocks noChangeAspect="1"/>
+          </p:cNvPicPr>
+          <p:nvPr/>
+        </p:nvPicPr>
+        <p:blipFill>
+          <a:blip r:embed="rId5"/>
+          <a:stretch>
+            <a:fillRect/>
+          </a:stretch>
+        </p:blipFill>
+        <p:spPr>
+          <a:xfrm>
+            <a:off x="7572773" y="4744720"/>
+            <a:ext cx="4619228" cy="2113280"/>
+          </a:xfrm>
+          <a:prstGeom prst="rect">
+            <a:avLst/>
+          </a:prstGeom>
+        </p:spPr>
+      </p:pic>
     </p:spTree>
     <p:extLst>
       <p:ext uri="{BB962C8B-B14F-4D97-AF65-F5344CB8AC3E}">
@@ -21651,7 +22324,7 @@
         <p:spPr>
           <a:xfrm>
             <a:off x="203200" y="244826"/>
-            <a:ext cx="11822545" cy="276999"/>
+            <a:ext cx="11822545" cy="3754874"/>
           </a:xfrm>
           <a:prstGeom prst="rect">
             <a:avLst/>
@@ -21665,13 +22338,155 @@
           <a:lstStyle/>
           <a:p>
             <a:r>
-              <a:rPr lang="az-Latn-AZ" sz="1200"/>
-              <a:t>.</a:t>
-            </a:r>
-            <a:endParaRPr lang="en-US" sz="1200"/>
+              <a:rPr lang="az-Latn-AZ" sz="1400" b="1">
+                <a:highlight>
+                  <a:srgbClr val="FFFF00"/>
+                </a:highlight>
+              </a:rPr>
+              <a:t>QEYD</a:t>
+            </a:r>
+            <a:r>
+              <a:rPr lang="az-Latn-AZ" sz="1400"/>
+              <a:t>:  Apache faylları </a:t>
+            </a:r>
+            <a:r>
+              <a:rPr lang="az-Latn-AZ" sz="1400" b="1"/>
+              <a:t>əlifba</a:t>
+            </a:r>
+            <a:r>
+              <a:rPr lang="az-Latn-AZ" sz="1400"/>
+              <a:t> sırasına görə yükləyir. Əgər </a:t>
+            </a:r>
+            <a:r>
+              <a:rPr lang="az-Latn-AZ" sz="1400" b="1"/>
+              <a:t>fallback.conf </a:t>
+            </a:r>
+            <a:r>
+              <a:rPr lang="az-Latn-AZ" sz="1400"/>
+              <a:t>adında başqa bir fayl yaratsaq və o, </a:t>
+            </a:r>
+            <a:r>
+              <a:rPr lang="az-Latn-AZ" sz="1400" b="1"/>
+              <a:t>mytest.conf</a:t>
+            </a:r>
+            <a:r>
+              <a:rPr lang="az-Latn-AZ" sz="1400"/>
+              <a:t>-dan əvvəldirsə, port uyğun gələndə onu işlədəcək.</a:t>
+            </a:r>
+          </a:p>
+          <a:p>
+            <a:endParaRPr lang="az-Latn-AZ" sz="1400"/>
+          </a:p>
+          <a:p>
+            <a:endParaRPr lang="az-Latn-AZ" sz="1400"/>
+          </a:p>
+          <a:p>
+            <a:endParaRPr lang="az-Latn-AZ" sz="1400"/>
+          </a:p>
+          <a:p>
+            <a:endParaRPr lang="az-Latn-AZ" sz="1400"/>
+          </a:p>
+          <a:p>
+            <a:endParaRPr lang="az-Latn-AZ" sz="1400"/>
+          </a:p>
+          <a:p>
+            <a:endParaRPr lang="az-Latn-AZ" sz="1400"/>
+          </a:p>
+          <a:p>
+            <a:endParaRPr lang="az-Latn-AZ" sz="1400"/>
+          </a:p>
+          <a:p>
+            <a:r>
+              <a:rPr lang="en-US" sz="1400" b="1"/>
+              <a:t>Apache bir sorğu gələndə</a:t>
+            </a:r>
+            <a:r>
+              <a:rPr lang="en-US" sz="1400"/>
+              <a:t>:</a:t>
+            </a:r>
+          </a:p>
+          <a:p>
+            <a:pPr marL="285750" indent="-285750">
+              <a:lnSpc>
+                <a:spcPct val="200000"/>
+              </a:lnSpc>
+              <a:buFont typeface="Wingdings" panose="05000000000000000000" pitchFamily="2" charset="2"/>
+              <a:buChar char="q"/>
+            </a:pPr>
+            <a:r>
+              <a:rPr lang="en-US" sz="1400"/>
+              <a:t>Port uyğun VirtualHost-ları axtarır (məs: *:8080).</a:t>
+            </a:r>
+          </a:p>
+          <a:p>
+            <a:pPr marL="285750" indent="-285750">
+              <a:lnSpc>
+                <a:spcPct val="200000"/>
+              </a:lnSpc>
+              <a:buFont typeface="Wingdings" panose="05000000000000000000" pitchFamily="2" charset="2"/>
+              <a:buChar char="q"/>
+            </a:pPr>
+            <a:r>
+              <a:rPr lang="en-US" sz="1400"/>
+              <a:t>Host başlığı (məs: localhost, mytest.local, example.com) ilə ServerName-i uyğunlaşdırmağa çalışır.</a:t>
+            </a:r>
+          </a:p>
+          <a:p>
+            <a:pPr marL="285750" indent="-285750">
+              <a:lnSpc>
+                <a:spcPct val="200000"/>
+              </a:lnSpc>
+              <a:buFont typeface="Wingdings" panose="05000000000000000000" pitchFamily="2" charset="2"/>
+              <a:buChar char="q"/>
+            </a:pPr>
+            <a:r>
+              <a:rPr lang="en-US" sz="1400"/>
+              <a:t>Uyğunluq yoxdursa — port uyğun gələn </a:t>
+            </a:r>
+            <a:r>
+              <a:rPr lang="en-US" sz="1400" b="1"/>
+              <a:t>ilk VirtualHost-u</a:t>
+            </a:r>
+            <a:r>
+              <a:rPr lang="en-US" sz="1400"/>
+              <a:t> seçir (əlifba sırası ilə sites-enabled-də hansı birinci yüklənirsə).</a:t>
+            </a:r>
+          </a:p>
+          <a:p>
+            <a:endParaRPr lang="en-US" sz="1400"/>
           </a:p>
         </p:txBody>
       </p:sp>
+      <p:pic>
+        <p:nvPicPr>
+          <p:cNvPr id="3" name="Picture 2">
+            <a:extLst>
+              <a:ext uri="{FF2B5EF4-FFF2-40B4-BE49-F238E27FC236}">
+                <a16:creationId xmlns:a16="http://schemas.microsoft.com/office/drawing/2014/main" id="{49DD9A5B-EDDA-1922-F1CA-B6C9EC4AA068}"/>
+              </a:ext>
+            </a:extLst>
+          </p:cNvPr>
+          <p:cNvPicPr>
+            <a:picLocks noChangeAspect="1"/>
+          </p:cNvPicPr>
+          <p:nvPr/>
+        </p:nvPicPr>
+        <p:blipFill>
+          <a:blip r:embed="rId2"/>
+          <a:stretch>
+            <a:fillRect/>
+          </a:stretch>
+        </p:blipFill>
+        <p:spPr>
+          <a:xfrm>
+            <a:off x="203200" y="895004"/>
+            <a:ext cx="2524477" cy="819264"/>
+          </a:xfrm>
+          <a:prstGeom prst="rect">
+            <a:avLst/>
+          </a:prstGeom>
+        </p:spPr>
+      </p:pic>
     </p:spTree>
     <p:extLst>
       <p:ext uri="{BB962C8B-B14F-4D97-AF65-F5344CB8AC3E}">

--- a/.lessons/Practice.pptx
+++ b/.lessons/Practice.pptx
@@ -371,7 +371,7 @@
           <a:p>
             <a:fld id="{AD6CDC28-10E2-4CDE-A5FF-6E49B37A1343}" type="datetimeFigureOut">
               <a:rPr lang="en-US" smtClean="0"/>
-              <a:t>10/13/2025</a:t>
+              <a:t>10/14/2025</a:t>
             </a:fld>
             <a:endParaRPr lang="en-US"/>
           </a:p>
@@ -569,7 +569,7 @@
           <a:p>
             <a:fld id="{AD6CDC28-10E2-4CDE-A5FF-6E49B37A1343}" type="datetimeFigureOut">
               <a:rPr lang="en-US" smtClean="0"/>
-              <a:t>10/13/2025</a:t>
+              <a:t>10/14/2025</a:t>
             </a:fld>
             <a:endParaRPr lang="en-US"/>
           </a:p>
@@ -777,7 +777,7 @@
           <a:p>
             <a:fld id="{AD6CDC28-10E2-4CDE-A5FF-6E49B37A1343}" type="datetimeFigureOut">
               <a:rPr lang="en-US" smtClean="0"/>
-              <a:t>10/13/2025</a:t>
+              <a:t>10/14/2025</a:t>
             </a:fld>
             <a:endParaRPr lang="en-US"/>
           </a:p>
@@ -975,7 +975,7 @@
           <a:p>
             <a:fld id="{AD6CDC28-10E2-4CDE-A5FF-6E49B37A1343}" type="datetimeFigureOut">
               <a:rPr lang="en-US" smtClean="0"/>
-              <a:t>10/13/2025</a:t>
+              <a:t>10/14/2025</a:t>
             </a:fld>
             <a:endParaRPr lang="en-US"/>
           </a:p>
@@ -1250,7 +1250,7 @@
           <a:p>
             <a:fld id="{AD6CDC28-10E2-4CDE-A5FF-6E49B37A1343}" type="datetimeFigureOut">
               <a:rPr lang="en-US" smtClean="0"/>
-              <a:t>10/13/2025</a:t>
+              <a:t>10/14/2025</a:t>
             </a:fld>
             <a:endParaRPr lang="en-US"/>
           </a:p>
@@ -1515,7 +1515,7 @@
           <a:p>
             <a:fld id="{AD6CDC28-10E2-4CDE-A5FF-6E49B37A1343}" type="datetimeFigureOut">
               <a:rPr lang="en-US" smtClean="0"/>
-              <a:t>10/13/2025</a:t>
+              <a:t>10/14/2025</a:t>
             </a:fld>
             <a:endParaRPr lang="en-US"/>
           </a:p>
@@ -1927,7 +1927,7 @@
           <a:p>
             <a:fld id="{AD6CDC28-10E2-4CDE-A5FF-6E49B37A1343}" type="datetimeFigureOut">
               <a:rPr lang="en-US" smtClean="0"/>
-              <a:t>10/13/2025</a:t>
+              <a:t>10/14/2025</a:t>
             </a:fld>
             <a:endParaRPr lang="en-US"/>
           </a:p>
@@ -2068,7 +2068,7 @@
           <a:p>
             <a:fld id="{AD6CDC28-10E2-4CDE-A5FF-6E49B37A1343}" type="datetimeFigureOut">
               <a:rPr lang="en-US" smtClean="0"/>
-              <a:t>10/13/2025</a:t>
+              <a:t>10/14/2025</a:t>
             </a:fld>
             <a:endParaRPr lang="en-US"/>
           </a:p>
@@ -2181,7 +2181,7 @@
           <a:p>
             <a:fld id="{AD6CDC28-10E2-4CDE-A5FF-6E49B37A1343}" type="datetimeFigureOut">
               <a:rPr lang="en-US" smtClean="0"/>
-              <a:t>10/13/2025</a:t>
+              <a:t>10/14/2025</a:t>
             </a:fld>
             <a:endParaRPr lang="en-US"/>
           </a:p>
@@ -2492,7 +2492,7 @@
           <a:p>
             <a:fld id="{AD6CDC28-10E2-4CDE-A5FF-6E49B37A1343}" type="datetimeFigureOut">
               <a:rPr lang="en-US" smtClean="0"/>
-              <a:t>10/13/2025</a:t>
+              <a:t>10/14/2025</a:t>
             </a:fld>
             <a:endParaRPr lang="en-US"/>
           </a:p>
@@ -2780,7 +2780,7 @@
           <a:p>
             <a:fld id="{AD6CDC28-10E2-4CDE-A5FF-6E49B37A1343}" type="datetimeFigureOut">
               <a:rPr lang="en-US" smtClean="0"/>
-              <a:t>10/13/2025</a:t>
+              <a:t>10/14/2025</a:t>
             </a:fld>
             <a:endParaRPr lang="en-US"/>
           </a:p>
@@ -3021,7 +3021,7 @@
           <a:p>
             <a:fld id="{AD6CDC28-10E2-4CDE-A5FF-6E49B37A1343}" type="datetimeFigureOut">
               <a:rPr lang="en-US" smtClean="0"/>
-              <a:t>10/13/2025</a:t>
+              <a:t>10/14/2025</a:t>
             </a:fld>
             <a:endParaRPr lang="en-US"/>
           </a:p>
@@ -23594,10 +23594,10 @@
       </p:grpSpPr>
       <p:sp>
         <p:nvSpPr>
-          <p:cNvPr id="7" name="TextBox 6">
+          <p:cNvPr id="27" name="TextBox 26">
             <a:extLst>
               <a:ext uri="{FF2B5EF4-FFF2-40B4-BE49-F238E27FC236}">
-                <a16:creationId xmlns:a16="http://schemas.microsoft.com/office/drawing/2014/main" id="{D8A69E0F-83A6-CB6E-0F3F-18DBE9C25C7D}"/>
+                <a16:creationId xmlns:a16="http://schemas.microsoft.com/office/drawing/2014/main" id="{0DA61897-8F10-BBBF-512A-2B6FF8CE12C2}"/>
               </a:ext>
             </a:extLst>
           </p:cNvPr>
@@ -23606,8 +23606,8 @@
         </p:nvSpPr>
         <p:spPr>
           <a:xfrm>
-            <a:off x="203200" y="244826"/>
-            <a:ext cx="11822545" cy="276999"/>
+            <a:off x="78510" y="101166"/>
+            <a:ext cx="12034980" cy="6655668"/>
           </a:xfrm>
           <a:prstGeom prst="rect">
             <a:avLst/>
@@ -23621,13 +23621,512 @@
           <a:lstStyle/>
           <a:p>
             <a:r>
-              <a:rPr lang="az-Latn-AZ" sz="1200"/>
-              <a:t>.</a:t>
-            </a:r>
-            <a:endParaRPr lang="en-US" sz="1200"/>
+              <a:rPr lang="az-Latn-AZ" sz="1400"/>
+              <a:t>Burada da eyni şeyi etmişik. Bir fərqli iş varki </a:t>
+            </a:r>
+            <a:r>
+              <a:rPr lang="az-Latn-AZ" sz="1400" b="1">
+                <a:solidFill>
+                  <a:srgbClr val="FF0000"/>
+                </a:solidFill>
+              </a:rPr>
+              <a:t>Listen</a:t>
+            </a:r>
+            <a:r>
+              <a:rPr lang="az-Latn-AZ" sz="1400"/>
+              <a:t> ilə birdən çox fərqli </a:t>
+            </a:r>
+            <a:r>
+              <a:rPr lang="az-Latn-AZ" sz="1400" b="1"/>
+              <a:t>portu</a:t>
+            </a:r>
+            <a:r>
+              <a:rPr lang="az-Latn-AZ" sz="1400"/>
+              <a:t> dinləmək mümkündür. Əmrləri aşağıda qoyuram ki, manual yazaraq yorulmayaq.</a:t>
+            </a:r>
+          </a:p>
+          <a:p>
+            <a:endParaRPr lang="az-Latn-AZ" sz="1400"/>
+          </a:p>
+          <a:p>
+            <a:endParaRPr lang="az-Latn-AZ" sz="1400"/>
+          </a:p>
+          <a:p>
+            <a:endParaRPr lang="az-Latn-AZ" sz="1400"/>
+          </a:p>
+          <a:p>
+            <a:endParaRPr lang="az-Latn-AZ" sz="1400"/>
+          </a:p>
+          <a:p>
+            <a:endParaRPr lang="az-Latn-AZ" sz="1400"/>
+          </a:p>
+          <a:p>
+            <a:endParaRPr lang="az-Latn-AZ" sz="1400"/>
+          </a:p>
+          <a:p>
+            <a:endParaRPr lang="az-Latn-AZ" sz="1400"/>
+          </a:p>
+          <a:p>
+            <a:endParaRPr lang="az-Latn-AZ" sz="1400"/>
+          </a:p>
+          <a:p>
+            <a:endParaRPr lang="az-Latn-AZ" sz="1400"/>
+          </a:p>
+          <a:p>
+            <a:endParaRPr lang="az-Latn-AZ" sz="1400"/>
+          </a:p>
+          <a:p>
+            <a:endParaRPr lang="az-Latn-AZ" sz="1400"/>
+          </a:p>
+          <a:p>
+            <a:endParaRPr lang="az-Latn-AZ" sz="1400"/>
+          </a:p>
+          <a:p>
+            <a:endParaRPr lang="az-Latn-AZ" sz="1400"/>
+          </a:p>
+          <a:p>
+            <a:endParaRPr lang="az-Latn-AZ" sz="1400"/>
+          </a:p>
+          <a:p>
+            <a:endParaRPr lang="az-Latn-AZ" sz="1400"/>
+          </a:p>
+          <a:p>
+            <a:pPr marL="171450" indent="-171450">
+              <a:buFont typeface="Arial" panose="020B0604020202020204" pitchFamily="34" charset="0"/>
+              <a:buChar char="•"/>
+            </a:pPr>
+            <a:endParaRPr lang="az-Latn-AZ" sz="1050"/>
+          </a:p>
+          <a:p>
+            <a:pPr marL="171450" indent="-171450">
+              <a:buFont typeface="Arial" panose="020B0604020202020204" pitchFamily="34" charset="0"/>
+              <a:buChar char="•"/>
+            </a:pPr>
+            <a:endParaRPr lang="az-Latn-AZ" sz="800"/>
+          </a:p>
+          <a:p>
+            <a:pPr marL="171450" indent="-171450">
+              <a:buFont typeface="Arial" panose="020B0604020202020204" pitchFamily="34" charset="0"/>
+              <a:buChar char="•"/>
+            </a:pPr>
+            <a:endParaRPr lang="az-Latn-AZ" sz="800"/>
+          </a:p>
+          <a:p>
+            <a:pPr marL="171450" indent="-171450">
+              <a:buFont typeface="Arial" panose="020B0604020202020204" pitchFamily="34" charset="0"/>
+              <a:buChar char="•"/>
+            </a:pPr>
+            <a:endParaRPr lang="az-Latn-AZ" sz="800"/>
+          </a:p>
+          <a:p>
+            <a:pPr marL="171450" indent="-171450">
+              <a:buFont typeface="Arial" panose="020B0604020202020204" pitchFamily="34" charset="0"/>
+              <a:buChar char="•"/>
+            </a:pPr>
+            <a:endParaRPr lang="az-Latn-AZ" sz="800"/>
+          </a:p>
+          <a:p>
+            <a:pPr marL="171450" indent="-171450">
+              <a:buFont typeface="Arial" panose="020B0604020202020204" pitchFamily="34" charset="0"/>
+              <a:buChar char="•"/>
+            </a:pPr>
+            <a:r>
+              <a:rPr lang="en-US" sz="800"/>
+              <a:t>cp /etc/apache2/sites-available/000-default.conf /etc/apache2/sites-available/one.conf</a:t>
+            </a:r>
+          </a:p>
+          <a:p>
+            <a:pPr marL="171450" indent="-171450">
+              <a:buFont typeface="Arial" panose="020B0604020202020204" pitchFamily="34" charset="0"/>
+              <a:buChar char="•"/>
+            </a:pPr>
+            <a:r>
+              <a:rPr lang="en-US" sz="800"/>
+              <a:t>cp /etc/apache2/sites-available/000-default.conf /etc/apache2/sites-available/two.conf</a:t>
+            </a:r>
+          </a:p>
+          <a:p>
+            <a:pPr marL="171450" indent="-171450">
+              <a:buFont typeface="Arial" panose="020B0604020202020204" pitchFamily="34" charset="0"/>
+              <a:buChar char="•"/>
+            </a:pPr>
+            <a:endParaRPr lang="en-US" sz="800"/>
+          </a:p>
+          <a:p>
+            <a:pPr marL="171450" indent="-171450">
+              <a:buFont typeface="Arial" panose="020B0604020202020204" pitchFamily="34" charset="0"/>
+              <a:buChar char="•"/>
+            </a:pPr>
+            <a:r>
+              <a:rPr lang="en-US" sz="800"/>
+              <a:t>mousepad /etc/apache2/sites-available/one</a:t>
+            </a:r>
+            <a:r>
+              <a:rPr lang="az-Latn-AZ" sz="800"/>
+              <a:t>.conf</a:t>
+            </a:r>
+            <a:endParaRPr lang="en-US" sz="800"/>
+          </a:p>
+          <a:p>
+            <a:pPr marL="171450" indent="-171450">
+              <a:buFont typeface="Arial" panose="020B0604020202020204" pitchFamily="34" charset="0"/>
+              <a:buChar char="•"/>
+            </a:pPr>
+            <a:r>
+              <a:rPr lang="en-US" sz="800"/>
+              <a:t>mousepad /etc/apache2/sites-available/two</a:t>
+            </a:r>
+            <a:r>
+              <a:rPr lang="az-Latn-AZ" sz="800"/>
+              <a:t>.conf</a:t>
+            </a:r>
+            <a:endParaRPr lang="en-US" sz="800"/>
+          </a:p>
+          <a:p>
+            <a:pPr marL="171450" indent="-171450">
+              <a:buFont typeface="Arial" panose="020B0604020202020204" pitchFamily="34" charset="0"/>
+              <a:buChar char="•"/>
+            </a:pPr>
+            <a:endParaRPr lang="en-US" sz="800"/>
+          </a:p>
+          <a:p>
+            <a:pPr marL="171450" indent="-171450">
+              <a:buFont typeface="Arial" panose="020B0604020202020204" pitchFamily="34" charset="0"/>
+              <a:buChar char="•"/>
+            </a:pPr>
+            <a:r>
+              <a:rPr lang="en-US" sz="800"/>
+              <a:t>mkdir /var/www/one | echo "This is one website" | tee /var/www/one/index.html</a:t>
+            </a:r>
+          </a:p>
+          <a:p>
+            <a:pPr marL="171450" indent="-171450">
+              <a:buFont typeface="Arial" panose="020B0604020202020204" pitchFamily="34" charset="0"/>
+              <a:buChar char="•"/>
+            </a:pPr>
+            <a:r>
+              <a:rPr lang="en-US" sz="800"/>
+              <a:t>mkdir /var/www/two | echo "This is two website" | tee /var/www/two/index.html</a:t>
+            </a:r>
+          </a:p>
+          <a:p>
+            <a:pPr marL="171450" indent="-171450">
+              <a:buFont typeface="Arial" panose="020B0604020202020204" pitchFamily="34" charset="0"/>
+              <a:buChar char="•"/>
+            </a:pPr>
+            <a:endParaRPr lang="en-US" sz="800"/>
+          </a:p>
+          <a:p>
+            <a:pPr marL="171450" indent="-171450">
+              <a:buFont typeface="Arial" panose="020B0604020202020204" pitchFamily="34" charset="0"/>
+              <a:buChar char="•"/>
+            </a:pPr>
+            <a:r>
+              <a:rPr lang="en-US" sz="800"/>
+              <a:t>mousepad /etc/apache2/ports.conf</a:t>
+            </a:r>
+          </a:p>
+          <a:p>
+            <a:pPr marL="171450" indent="-171450">
+              <a:buFont typeface="Arial" panose="020B0604020202020204" pitchFamily="34" charset="0"/>
+              <a:buChar char="•"/>
+            </a:pPr>
+            <a:endParaRPr lang="en-US" sz="800"/>
+          </a:p>
+          <a:p>
+            <a:pPr marL="171450" indent="-171450">
+              <a:buFont typeface="Arial" panose="020B0604020202020204" pitchFamily="34" charset="0"/>
+              <a:buChar char="•"/>
+            </a:pPr>
+            <a:r>
+              <a:rPr lang="en-US" sz="800"/>
+              <a:t>a2ensite one.conf</a:t>
+            </a:r>
+          </a:p>
+          <a:p>
+            <a:pPr marL="171450" indent="-171450">
+              <a:buFont typeface="Arial" panose="020B0604020202020204" pitchFamily="34" charset="0"/>
+              <a:buChar char="•"/>
+            </a:pPr>
+            <a:r>
+              <a:rPr lang="en-US" sz="800"/>
+              <a:t>a2ensite two.conf</a:t>
+            </a:r>
+          </a:p>
+          <a:p>
+            <a:pPr marL="171450" indent="-171450">
+              <a:buFont typeface="Arial" panose="020B0604020202020204" pitchFamily="34" charset="0"/>
+              <a:buChar char="•"/>
+            </a:pPr>
+            <a:endParaRPr lang="en-US" sz="800"/>
+          </a:p>
+          <a:p>
+            <a:pPr marL="171450" indent="-171450">
+              <a:buFont typeface="Arial" panose="020B0604020202020204" pitchFamily="34" charset="0"/>
+              <a:buChar char="•"/>
+            </a:pPr>
+            <a:r>
+              <a:rPr lang="en-US" sz="800"/>
+              <a:t>systemctl reload apache2</a:t>
+            </a:r>
+          </a:p>
+          <a:p>
+            <a:pPr marL="171450" indent="-171450">
+              <a:buFont typeface="Arial" panose="020B0604020202020204" pitchFamily="34" charset="0"/>
+              <a:buChar char="•"/>
+            </a:pPr>
+            <a:r>
+              <a:rPr lang="en-US" sz="800"/>
+              <a:t>netstat -tnlp</a:t>
+            </a:r>
+          </a:p>
+          <a:p>
+            <a:pPr marL="171450" indent="-171450">
+              <a:buFont typeface="Arial" panose="020B0604020202020204" pitchFamily="34" charset="0"/>
+              <a:buChar char="•"/>
+            </a:pPr>
+            <a:endParaRPr lang="en-US" sz="800"/>
+          </a:p>
+          <a:p>
+            <a:pPr marL="171450" indent="-171450">
+              <a:buFont typeface="Arial" panose="020B0604020202020204" pitchFamily="34" charset="0"/>
+              <a:buChar char="•"/>
+            </a:pPr>
+            <a:r>
+              <a:rPr lang="en-US" sz="800"/>
+              <a:t>ls -l /etc/apache2/sites-enabled</a:t>
+            </a:r>
+          </a:p>
+          <a:p>
+            <a:pPr marL="171450" indent="-171450">
+              <a:buFont typeface="Arial" panose="020B0604020202020204" pitchFamily="34" charset="0"/>
+              <a:buChar char="•"/>
+            </a:pPr>
+            <a:endParaRPr lang="en-US" sz="800"/>
+          </a:p>
+          <a:p>
+            <a:pPr marL="171450" indent="-171450">
+              <a:buFont typeface="Arial" panose="020B0604020202020204" pitchFamily="34" charset="0"/>
+              <a:buChar char="•"/>
+            </a:pPr>
+            <a:r>
+              <a:rPr lang="en-US" sz="800"/>
+              <a:t>mousepad /etc/hosts</a:t>
+            </a:r>
           </a:p>
         </p:txBody>
       </p:sp>
+      <p:pic>
+        <p:nvPicPr>
+          <p:cNvPr id="28" name="Picture 27">
+            <a:extLst>
+              <a:ext uri="{FF2B5EF4-FFF2-40B4-BE49-F238E27FC236}">
+                <a16:creationId xmlns:a16="http://schemas.microsoft.com/office/drawing/2014/main" id="{7DEB0120-FF6C-8F27-565E-3D9ABCA15881}"/>
+              </a:ext>
+            </a:extLst>
+          </p:cNvPr>
+          <p:cNvPicPr>
+            <a:picLocks noChangeAspect="1"/>
+          </p:cNvPicPr>
+          <p:nvPr/>
+        </p:nvPicPr>
+        <p:blipFill>
+          <a:blip r:embed="rId2"/>
+          <a:srcRect r="14085"/>
+          <a:stretch>
+            <a:fillRect/>
+          </a:stretch>
+        </p:blipFill>
+        <p:spPr>
+          <a:xfrm>
+            <a:off x="0" y="578494"/>
+            <a:ext cx="2918691" cy="1309308"/>
+          </a:xfrm>
+          <a:prstGeom prst="rect">
+            <a:avLst/>
+          </a:prstGeom>
+        </p:spPr>
+      </p:pic>
+      <p:pic>
+        <p:nvPicPr>
+          <p:cNvPr id="29" name="Picture 28">
+            <a:extLst>
+              <a:ext uri="{FF2B5EF4-FFF2-40B4-BE49-F238E27FC236}">
+                <a16:creationId xmlns:a16="http://schemas.microsoft.com/office/drawing/2014/main" id="{1413971F-EA27-73AF-5415-879B91965B1D}"/>
+              </a:ext>
+            </a:extLst>
+          </p:cNvPr>
+          <p:cNvPicPr>
+            <a:picLocks noChangeAspect="1"/>
+          </p:cNvPicPr>
+          <p:nvPr/>
+        </p:nvPicPr>
+        <p:blipFill>
+          <a:blip r:embed="rId3"/>
+          <a:stretch>
+            <a:fillRect/>
+          </a:stretch>
+        </p:blipFill>
+        <p:spPr>
+          <a:xfrm>
+            <a:off x="3519432" y="578494"/>
+            <a:ext cx="2826836" cy="1309308"/>
+          </a:xfrm>
+          <a:prstGeom prst="rect">
+            <a:avLst/>
+          </a:prstGeom>
+        </p:spPr>
+      </p:pic>
+      <p:pic>
+        <p:nvPicPr>
+          <p:cNvPr id="30" name="Picture 29">
+            <a:extLst>
+              <a:ext uri="{FF2B5EF4-FFF2-40B4-BE49-F238E27FC236}">
+                <a16:creationId xmlns:a16="http://schemas.microsoft.com/office/drawing/2014/main" id="{D70E81D7-3318-38B0-E740-A9DD23565652}"/>
+              </a:ext>
+            </a:extLst>
+          </p:cNvPr>
+          <p:cNvPicPr>
+            <a:picLocks noChangeAspect="1"/>
+          </p:cNvPicPr>
+          <p:nvPr/>
+        </p:nvPicPr>
+        <p:blipFill>
+          <a:blip r:embed="rId4"/>
+          <a:stretch>
+            <a:fillRect/>
+          </a:stretch>
+        </p:blipFill>
+        <p:spPr>
+          <a:xfrm>
+            <a:off x="6898883" y="578494"/>
+            <a:ext cx="5293117" cy="1309308"/>
+          </a:xfrm>
+          <a:prstGeom prst="rect">
+            <a:avLst/>
+          </a:prstGeom>
+        </p:spPr>
+      </p:pic>
+      <p:pic>
+        <p:nvPicPr>
+          <p:cNvPr id="31" name="Picture 30">
+            <a:extLst>
+              <a:ext uri="{FF2B5EF4-FFF2-40B4-BE49-F238E27FC236}">
+                <a16:creationId xmlns:a16="http://schemas.microsoft.com/office/drawing/2014/main" id="{30552070-AA43-ACD3-0E7F-2AB9FDAE7822}"/>
+              </a:ext>
+            </a:extLst>
+          </p:cNvPr>
+          <p:cNvPicPr>
+            <a:picLocks noChangeAspect="1"/>
+          </p:cNvPicPr>
+          <p:nvPr/>
+        </p:nvPicPr>
+        <p:blipFill>
+          <a:blip r:embed="rId5"/>
+          <a:stretch>
+            <a:fillRect/>
+          </a:stretch>
+        </p:blipFill>
+        <p:spPr>
+          <a:xfrm>
+            <a:off x="0" y="2269915"/>
+            <a:ext cx="2445696" cy="1557522"/>
+          </a:xfrm>
+          <a:prstGeom prst="rect">
+            <a:avLst/>
+          </a:prstGeom>
+        </p:spPr>
+      </p:pic>
+      <p:pic>
+        <p:nvPicPr>
+          <p:cNvPr id="32" name="Picture 31">
+            <a:extLst>
+              <a:ext uri="{FF2B5EF4-FFF2-40B4-BE49-F238E27FC236}">
+                <a16:creationId xmlns:a16="http://schemas.microsoft.com/office/drawing/2014/main" id="{8657DFB9-F765-5B07-DDB5-FE79ED64C098}"/>
+              </a:ext>
+            </a:extLst>
+          </p:cNvPr>
+          <p:cNvPicPr>
+            <a:picLocks noChangeAspect="1"/>
+          </p:cNvPicPr>
+          <p:nvPr/>
+        </p:nvPicPr>
+        <p:blipFill>
+          <a:blip r:embed="rId6"/>
+          <a:stretch>
+            <a:fillRect/>
+          </a:stretch>
+        </p:blipFill>
+        <p:spPr>
+          <a:xfrm>
+            <a:off x="2981548" y="2269915"/>
+            <a:ext cx="2958547" cy="1557522"/>
+          </a:xfrm>
+          <a:prstGeom prst="rect">
+            <a:avLst/>
+          </a:prstGeom>
+        </p:spPr>
+      </p:pic>
+      <p:pic>
+        <p:nvPicPr>
+          <p:cNvPr id="33" name="Picture 32">
+            <a:extLst>
+              <a:ext uri="{FF2B5EF4-FFF2-40B4-BE49-F238E27FC236}">
+                <a16:creationId xmlns:a16="http://schemas.microsoft.com/office/drawing/2014/main" id="{D9453466-5021-CE56-CC8B-78D184D09EF8}"/>
+              </a:ext>
+            </a:extLst>
+          </p:cNvPr>
+          <p:cNvPicPr>
+            <a:picLocks noChangeAspect="1"/>
+          </p:cNvPicPr>
+          <p:nvPr/>
+        </p:nvPicPr>
+        <p:blipFill>
+          <a:blip r:embed="rId7"/>
+          <a:stretch>
+            <a:fillRect/>
+          </a:stretch>
+        </p:blipFill>
+        <p:spPr>
+          <a:xfrm>
+            <a:off x="6475948" y="2269915"/>
+            <a:ext cx="1536531" cy="1557522"/>
+          </a:xfrm>
+          <a:prstGeom prst="rect">
+            <a:avLst/>
+          </a:prstGeom>
+        </p:spPr>
+      </p:pic>
+      <p:pic>
+        <p:nvPicPr>
+          <p:cNvPr id="34" name="Picture 33">
+            <a:extLst>
+              <a:ext uri="{FF2B5EF4-FFF2-40B4-BE49-F238E27FC236}">
+                <a16:creationId xmlns:a16="http://schemas.microsoft.com/office/drawing/2014/main" id="{272E5ED2-E5CF-C446-B49B-2675E387C621}"/>
+              </a:ext>
+            </a:extLst>
+          </p:cNvPr>
+          <p:cNvPicPr>
+            <a:picLocks noChangeAspect="1"/>
+          </p:cNvPicPr>
+          <p:nvPr/>
+        </p:nvPicPr>
+        <p:blipFill>
+          <a:blip r:embed="rId8"/>
+          <a:stretch>
+            <a:fillRect/>
+          </a:stretch>
+        </p:blipFill>
+        <p:spPr>
+          <a:xfrm>
+            <a:off x="8509212" y="2269914"/>
+            <a:ext cx="3682788" cy="1557523"/>
+          </a:xfrm>
+          <a:prstGeom prst="rect">
+            <a:avLst/>
+          </a:prstGeom>
+        </p:spPr>
+      </p:pic>
     </p:spTree>
     <p:extLst>
       <p:ext uri="{BB962C8B-B14F-4D97-AF65-F5344CB8AC3E}">
@@ -23679,7 +24178,7 @@
         <p:spPr>
           <a:xfrm>
             <a:off x="203200" y="244826"/>
-            <a:ext cx="11822545" cy="276999"/>
+            <a:ext cx="11822545" cy="461665"/>
           </a:xfrm>
           <a:prstGeom prst="rect">
             <a:avLst/>
@@ -23693,13 +24192,71 @@
           <a:lstStyle/>
           <a:p>
             <a:r>
+              <a:rPr lang="az-Latn-AZ" sz="1200" b="1">
+                <a:solidFill>
+                  <a:srgbClr val="FF0000"/>
+                </a:solidFill>
+              </a:rPr>
+              <a:t>curl 127.0.0.1:8081 </a:t>
+            </a:r>
+            <a:r>
+              <a:rPr lang="en-US" sz="1200" b="1">
+                <a:solidFill>
+                  <a:srgbClr val="FF0000"/>
+                </a:solidFill>
+              </a:rPr>
+              <a:t> </a:t>
+            </a:r>
+            <a:r>
+              <a:rPr lang="en-US" sz="1200"/>
+              <a:t>-  </a:t>
+            </a:r>
+            <a:r>
               <a:rPr lang="az-Latn-AZ" sz="1200"/>
-              <a:t>.</a:t>
+              <a:t>Apache və ya digər HTTP serverin 127.0.0.1 (localhost) ünvanında və 8081 portunda xidmət verib-vermədiyini yoxlayır.</a:t>
+            </a:r>
+            <a:r>
+              <a:rPr lang="en-US" sz="1200"/>
+              <a:t> Brazuer</a:t>
+            </a:r>
+            <a:r>
+              <a:rPr lang="az-Latn-AZ" sz="1200"/>
+              <a:t> ilə də yoxlamaq olur ancaq brazuerdə məlumatlar kəşlənir.</a:t>
             </a:r>
             <a:endParaRPr lang="en-US" sz="1200"/>
           </a:p>
         </p:txBody>
       </p:sp>
+      <p:pic>
+        <p:nvPicPr>
+          <p:cNvPr id="3" name="Picture 2">
+            <a:extLst>
+              <a:ext uri="{FF2B5EF4-FFF2-40B4-BE49-F238E27FC236}">
+                <a16:creationId xmlns:a16="http://schemas.microsoft.com/office/drawing/2014/main" id="{3D63D5C9-E687-2C1F-81D3-269F8A1B7332}"/>
+              </a:ext>
+            </a:extLst>
+          </p:cNvPr>
+          <p:cNvPicPr>
+            <a:picLocks noChangeAspect="1"/>
+          </p:cNvPicPr>
+          <p:nvPr/>
+        </p:nvPicPr>
+        <p:blipFill>
+          <a:blip r:embed="rId2"/>
+          <a:stretch>
+            <a:fillRect/>
+          </a:stretch>
+        </p:blipFill>
+        <p:spPr>
+          <a:xfrm>
+            <a:off x="0" y="1168073"/>
+            <a:ext cx="6401693" cy="2600688"/>
+          </a:xfrm>
+          <a:prstGeom prst="rect">
+            <a:avLst/>
+          </a:prstGeom>
+        </p:spPr>
+      </p:pic>
     </p:spTree>
     <p:extLst>
       <p:ext uri="{BB962C8B-B14F-4D97-AF65-F5344CB8AC3E}">
@@ -23750,8 +24307,8 @@
         </p:nvSpPr>
         <p:spPr>
           <a:xfrm>
-            <a:off x="203200" y="244826"/>
-            <a:ext cx="11822545" cy="276999"/>
+            <a:off x="184727" y="0"/>
+            <a:ext cx="11822545" cy="3539430"/>
           </a:xfrm>
           <a:prstGeom prst="rect">
             <a:avLst/>
@@ -23764,14 +24321,816 @@
           </a:bodyPr>
           <a:lstStyle/>
           <a:p>
+            <a:pPr algn="ctr"/>
+            <a:r>
+              <a:rPr lang="en-US" sz="2000" b="1">
+                <a:solidFill>
+                  <a:srgbClr val="FF0000"/>
+                </a:solidFill>
+              </a:rPr>
+              <a:t>round-robin</a:t>
+            </a:r>
+            <a:r>
+              <a:rPr lang="az-Latn-AZ" sz="2000" b="1">
+                <a:solidFill>
+                  <a:srgbClr val="FF0000"/>
+                </a:solidFill>
+              </a:rPr>
+              <a:t> </a:t>
+            </a:r>
+            <a:r>
+              <a:rPr lang="en-US" sz="2000" b="1">
+                <a:solidFill>
+                  <a:srgbClr val="FF0000"/>
+                </a:solidFill>
+              </a:rPr>
+              <a:t>with reverse proxy</a:t>
+            </a:r>
+            <a:endParaRPr lang="az-Latn-AZ" sz="2000" b="1">
+              <a:solidFill>
+                <a:srgbClr val="FF0000"/>
+              </a:solidFill>
+            </a:endParaRPr>
+          </a:p>
+          <a:p>
+            <a:endParaRPr lang="en-US" sz="1200"/>
+          </a:p>
+          <a:p>
             <a:r>
               <a:rPr lang="az-Latn-AZ" sz="1200"/>
-              <a:t>.</a:t>
+              <a:t>İndi isə </a:t>
+            </a:r>
+            <a:r>
+              <a:rPr lang="az-Latn-AZ" sz="1200" b="1"/>
+              <a:t>Nginx</a:t>
+            </a:r>
+            <a:r>
+              <a:rPr lang="az-Latn-AZ" sz="1200"/>
+              <a:t> -ni, "</a:t>
+            </a:r>
+            <a:r>
+              <a:rPr lang="az-Latn-AZ" sz="1200" b="1"/>
+              <a:t>reverse proxy</a:t>
+            </a:r>
+            <a:r>
+              <a:rPr lang="az-Latn-AZ" sz="1200"/>
+              <a:t>" kimi konfiqurasiya edib onu bir neçə Apache server instansiyasına</a:t>
+            </a:r>
+            <a:r>
+              <a:rPr lang="en-US" sz="1200"/>
+              <a:t> ( round-robin )</a:t>
+            </a:r>
+            <a:r>
+              <a:rPr lang="az-Latn-AZ" sz="1200"/>
+              <a:t> necə yönləndirmək olar onu öyrənəcəyik.</a:t>
+            </a:r>
+            <a:endParaRPr lang="en-US" sz="1200"/>
+          </a:p>
+          <a:p>
+            <a:endParaRPr lang="en-US" sz="1200"/>
+          </a:p>
+          <a:p>
+            <a:endParaRPr lang="en-US" sz="1200"/>
+          </a:p>
+          <a:p>
+            <a:pPr marL="228600" indent="-228600">
+              <a:buAutoNum type="alphaLcParenR"/>
+            </a:pPr>
+            <a:r>
+              <a:rPr lang="en-US" sz="1200" b="1">
+                <a:solidFill>
+                  <a:srgbClr val="0070C0"/>
+                </a:solidFill>
+              </a:rPr>
+              <a:t>mousepad /etc/nginx/sites-available/upstream </a:t>
+            </a:r>
+            <a:r>
+              <a:rPr lang="en-US" sz="1200"/>
+              <a:t>- </a:t>
+            </a:r>
+            <a:r>
+              <a:rPr lang="en-US" sz="1200" b="1"/>
+              <a:t>upstream</a:t>
+            </a:r>
+            <a:r>
+              <a:rPr lang="en-US" sz="1200"/>
+              <a:t> </a:t>
+            </a:r>
+            <a:r>
+              <a:rPr lang="az-Latn-AZ" sz="1200"/>
+              <a:t>adında bir fayl yaradaraq içində aşağıdakı kimi məlumatları qeyd edirik. Bu sadəcə </a:t>
+            </a:r>
+            <a:r>
+              <a:rPr lang="az-Latn-AZ" sz="1200" b="1"/>
+              <a:t>Nginx</a:t>
+            </a:r>
+            <a:r>
+              <a:rPr lang="az-Latn-AZ" sz="1200"/>
+              <a:t> üçün yeni bir konfiqurasiya faylı yaratmaq üçündür.</a:t>
+            </a:r>
+          </a:p>
+          <a:p>
+            <a:pPr marL="228600" indent="-228600">
+              <a:buAutoNum type="alphaLcParenR"/>
+            </a:pPr>
+            <a:endParaRPr lang="az-Latn-AZ" sz="1200"/>
+          </a:p>
+          <a:p>
+            <a:r>
+              <a:rPr lang="en-US" sz="1200">
+                <a:highlight>
+                  <a:srgbClr val="FF00FF"/>
+                </a:highlight>
+              </a:rPr>
+              <a:t>upstream apache { </a:t>
+            </a:r>
+            <a:endParaRPr lang="az-Latn-AZ" sz="1200">
+              <a:highlight>
+                <a:srgbClr val="FF00FF"/>
+              </a:highlight>
+            </a:endParaRPr>
+          </a:p>
+          <a:p>
+            <a:endParaRPr lang="az-Latn-AZ" sz="1200">
+              <a:highlight>
+                <a:srgbClr val="FF00FF"/>
+              </a:highlight>
+            </a:endParaRPr>
+          </a:p>
+          <a:p>
+            <a:r>
+              <a:rPr lang="az-Latn-AZ" sz="1200">
+                <a:highlight>
+                  <a:srgbClr val="FF00FF"/>
+                </a:highlight>
+              </a:rPr>
+              <a:t>       </a:t>
+            </a:r>
+            <a:r>
+              <a:rPr lang="en-US" sz="1200">
+                <a:highlight>
+                  <a:srgbClr val="FF00FF"/>
+                </a:highlight>
+              </a:rPr>
+              <a:t>server 127.0.0.1:8080; </a:t>
+            </a:r>
+            <a:endParaRPr lang="az-Latn-AZ" sz="1200">
+              <a:highlight>
+                <a:srgbClr val="FF00FF"/>
+              </a:highlight>
+            </a:endParaRPr>
+          </a:p>
+          <a:p>
+            <a:r>
+              <a:rPr lang="az-Latn-AZ" sz="1200">
+                <a:highlight>
+                  <a:srgbClr val="FF00FF"/>
+                </a:highlight>
+              </a:rPr>
+              <a:t>       </a:t>
+            </a:r>
+            <a:r>
+              <a:rPr lang="en-US" sz="1200">
+                <a:highlight>
+                  <a:srgbClr val="FF00FF"/>
+                </a:highlight>
+              </a:rPr>
+              <a:t>server 127.0.0.1:8081; </a:t>
+            </a:r>
+            <a:endParaRPr lang="az-Latn-AZ" sz="1200">
+              <a:highlight>
+                <a:srgbClr val="FF00FF"/>
+              </a:highlight>
+            </a:endParaRPr>
+          </a:p>
+          <a:p>
+            <a:r>
+              <a:rPr lang="az-Latn-AZ" sz="1200">
+                <a:highlight>
+                  <a:srgbClr val="FF00FF"/>
+                </a:highlight>
+              </a:rPr>
+              <a:t>       </a:t>
+            </a:r>
+            <a:r>
+              <a:rPr lang="en-US" sz="1200">
+                <a:highlight>
+                  <a:srgbClr val="FF00FF"/>
+                </a:highlight>
+              </a:rPr>
+              <a:t>server 127.0.0.1:8082; </a:t>
+            </a:r>
+            <a:br>
+              <a:rPr lang="az-Latn-AZ" sz="1200">
+                <a:highlight>
+                  <a:srgbClr val="FF00FF"/>
+                </a:highlight>
+              </a:rPr>
+            </a:br>
+            <a:br>
+              <a:rPr lang="az-Latn-AZ" sz="1200">
+                <a:highlight>
+                  <a:srgbClr val="FF00FF"/>
+                </a:highlight>
+              </a:rPr>
+            </a:br>
+            <a:r>
+              <a:rPr lang="en-US" sz="1200">
+                <a:highlight>
+                  <a:srgbClr val="FF00FF"/>
+                </a:highlight>
+              </a:rPr>
+              <a:t>}</a:t>
+            </a:r>
+            <a:endParaRPr lang="az-Latn-AZ" sz="1200">
+              <a:highlight>
+                <a:srgbClr val="FF00FF"/>
+              </a:highlight>
+            </a:endParaRPr>
+          </a:p>
+          <a:p>
+            <a:endParaRPr lang="az-Latn-AZ" sz="1200"/>
+          </a:p>
+          <a:p>
+            <a:r>
+              <a:rPr lang="en-US" sz="1200"/>
+              <a:t>Bu hissə çox vacib hissədir. Burada sən apache adında bir "</a:t>
+            </a:r>
+            <a:r>
+              <a:rPr lang="en-US" sz="1200" b="1"/>
+              <a:t>upstream group</a:t>
+            </a:r>
+            <a:r>
+              <a:rPr lang="en-US" sz="1200"/>
+              <a:t>" yaradırsan və bu qrupun 3 serverdən ibarət olduğunu bildirirsən:</a:t>
+            </a:r>
+            <a:r>
+              <a:rPr lang="az-Latn-AZ" sz="1200"/>
+              <a:t> Bu o deməkdir ki, </a:t>
+            </a:r>
+            <a:r>
+              <a:rPr lang="az-Latn-AZ" sz="1200" b="1"/>
+              <a:t>Nginx</a:t>
+            </a:r>
+            <a:r>
+              <a:rPr lang="az-Latn-AZ" sz="1200"/>
+              <a:t> gələn istəkləri bu 3 serverdən birinə göndərəcək</a:t>
             </a:r>
             <a:endParaRPr lang="en-US" sz="1200"/>
           </a:p>
         </p:txBody>
       </p:sp>
+      <p:pic>
+        <p:nvPicPr>
+          <p:cNvPr id="3" name="Picture 2">
+            <a:extLst>
+              <a:ext uri="{FF2B5EF4-FFF2-40B4-BE49-F238E27FC236}">
+                <a16:creationId xmlns:a16="http://schemas.microsoft.com/office/drawing/2014/main" id="{4FF6A184-259C-3C6E-D07C-44F379C0C5FE}"/>
+              </a:ext>
+            </a:extLst>
+          </p:cNvPr>
+          <p:cNvPicPr>
+            <a:picLocks noChangeAspect="1"/>
+          </p:cNvPicPr>
+          <p:nvPr/>
+        </p:nvPicPr>
+        <p:blipFill>
+          <a:blip r:embed="rId2"/>
+          <a:stretch>
+            <a:fillRect/>
+          </a:stretch>
+        </p:blipFill>
+        <p:spPr>
+          <a:xfrm>
+            <a:off x="184727" y="3594179"/>
+            <a:ext cx="2743200" cy="1431235"/>
+          </a:xfrm>
+          <a:prstGeom prst="rect">
+            <a:avLst/>
+          </a:prstGeom>
+        </p:spPr>
+      </p:pic>
+      <p:graphicFrame>
+        <p:nvGraphicFramePr>
+          <p:cNvPr id="4" name="Table 3">
+            <a:extLst>
+              <a:ext uri="{FF2B5EF4-FFF2-40B4-BE49-F238E27FC236}">
+                <a16:creationId xmlns:a16="http://schemas.microsoft.com/office/drawing/2014/main" id="{7B203C56-6E99-EA3F-44BB-21E1ACFF7820}"/>
+              </a:ext>
+            </a:extLst>
+          </p:cNvPr>
+          <p:cNvGraphicFramePr>
+            <a:graphicFrameLocks noGrp="1"/>
+          </p:cNvGraphicFramePr>
+          <p:nvPr>
+            <p:extLst>
+              <p:ext uri="{D42A27DB-BD31-4B8C-83A1-F6EECF244321}">
+                <p14:modId xmlns:p14="http://schemas.microsoft.com/office/powerpoint/2010/main" val="3645240186"/>
+              </p:ext>
+            </p:extLst>
+          </p:nvPr>
+        </p:nvGraphicFramePr>
+        <p:xfrm>
+          <a:off x="184727" y="5264829"/>
+          <a:ext cx="4343083" cy="1463040"/>
+        </p:xfrm>
+        <a:graphic>
+          <a:graphicData uri="http://schemas.openxmlformats.org/drawingml/2006/table">
+            <a:tbl>
+              <a:tblPr/>
+              <a:tblGrid>
+                <a:gridCol w="2146618">
+                  <a:extLst>
+                    <a:ext uri="{9D8B030D-6E8A-4147-A177-3AD203B41FA5}">
+                      <a16:colId xmlns:a16="http://schemas.microsoft.com/office/drawing/2014/main" val="1733040053"/>
+                    </a:ext>
+                  </a:extLst>
+                </a:gridCol>
+                <a:gridCol w="2196465">
+                  <a:extLst>
+                    <a:ext uri="{9D8B030D-6E8A-4147-A177-3AD203B41FA5}">
+                      <a16:colId xmlns:a16="http://schemas.microsoft.com/office/drawing/2014/main" val="595384601"/>
+                    </a:ext>
+                  </a:extLst>
+                </a:gridCol>
+              </a:tblGrid>
+              <a:tr h="0">
+                <a:tc>
+                  <a:txBody>
+                    <a:bodyPr/>
+                    <a:lstStyle/>
+                    <a:p>
+                      <a:pPr>
+                        <a:buNone/>
+                      </a:pPr>
+                      <a:r>
+                        <a:rPr lang="en-US" b="1"/>
+                        <a:t>Server</a:t>
+                      </a:r>
+                    </a:p>
+                  </a:txBody>
+                  <a:tcPr anchor="ctr">
+                    <a:lnL w="12700" cap="flat" cmpd="sng" algn="ctr">
+                      <a:solidFill>
+                        <a:schemeClr val="tx1"/>
+                      </a:solidFill>
+                      <a:prstDash val="solid"/>
+                      <a:round/>
+                      <a:headEnd type="none" w="med" len="med"/>
+                      <a:tailEnd type="none" w="med" len="med"/>
+                    </a:lnL>
+                    <a:lnR w="12700" cap="flat" cmpd="sng" algn="ctr">
+                      <a:solidFill>
+                        <a:schemeClr val="tx1"/>
+                      </a:solidFill>
+                      <a:prstDash val="solid"/>
+                      <a:round/>
+                      <a:headEnd type="none" w="med" len="med"/>
+                      <a:tailEnd type="none" w="med" len="med"/>
+                    </a:lnR>
+                    <a:lnT w="12700" cap="flat" cmpd="sng" algn="ctr">
+                      <a:solidFill>
+                        <a:schemeClr val="tx1"/>
+                      </a:solidFill>
+                      <a:prstDash val="solid"/>
+                      <a:round/>
+                      <a:headEnd type="none" w="med" len="med"/>
+                      <a:tailEnd type="none" w="med" len="med"/>
+                    </a:lnT>
+                    <a:lnB w="12700" cap="flat" cmpd="sng" algn="ctr">
+                      <a:solidFill>
+                        <a:schemeClr val="tx1"/>
+                      </a:solidFill>
+                      <a:prstDash val="solid"/>
+                      <a:round/>
+                      <a:headEnd type="none" w="med" len="med"/>
+                      <a:tailEnd type="none" w="med" len="med"/>
+                    </a:lnB>
+                    <a:solidFill>
+                      <a:schemeClr val="accent2"/>
+                    </a:solidFill>
+                  </a:tcPr>
+                </a:tc>
+                <a:tc>
+                  <a:txBody>
+                    <a:bodyPr/>
+                    <a:lstStyle/>
+                    <a:p>
+                      <a:pPr>
+                        <a:buNone/>
+                      </a:pPr>
+                      <a:r>
+                        <a:rPr lang="en-US" b="1"/>
+                        <a:t>Port</a:t>
+                      </a:r>
+                    </a:p>
+                  </a:txBody>
+                  <a:tcPr anchor="ctr">
+                    <a:lnL w="12700" cap="flat" cmpd="sng" algn="ctr">
+                      <a:solidFill>
+                        <a:schemeClr val="tx1"/>
+                      </a:solidFill>
+                      <a:prstDash val="solid"/>
+                      <a:round/>
+                      <a:headEnd type="none" w="med" len="med"/>
+                      <a:tailEnd type="none" w="med" len="med"/>
+                    </a:lnL>
+                    <a:lnR w="12700" cap="flat" cmpd="sng" algn="ctr">
+                      <a:solidFill>
+                        <a:schemeClr val="tx1"/>
+                      </a:solidFill>
+                      <a:prstDash val="solid"/>
+                      <a:round/>
+                      <a:headEnd type="none" w="med" len="med"/>
+                      <a:tailEnd type="none" w="med" len="med"/>
+                    </a:lnR>
+                    <a:lnT w="12700" cap="flat" cmpd="sng" algn="ctr">
+                      <a:solidFill>
+                        <a:schemeClr val="tx1"/>
+                      </a:solidFill>
+                      <a:prstDash val="solid"/>
+                      <a:round/>
+                      <a:headEnd type="none" w="med" len="med"/>
+                      <a:tailEnd type="none" w="med" len="med"/>
+                    </a:lnT>
+                    <a:lnB w="12700" cap="flat" cmpd="sng" algn="ctr">
+                      <a:solidFill>
+                        <a:schemeClr val="tx1"/>
+                      </a:solidFill>
+                      <a:prstDash val="solid"/>
+                      <a:round/>
+                      <a:headEnd type="none" w="med" len="med"/>
+                      <a:tailEnd type="none" w="med" len="med"/>
+                    </a:lnB>
+                    <a:solidFill>
+                      <a:schemeClr val="accent2"/>
+                    </a:solidFill>
+                  </a:tcPr>
+                </a:tc>
+                <a:extLst>
+                  <a:ext uri="{0D108BD9-81ED-4DB2-BD59-A6C34878D82A}">
+                    <a16:rowId xmlns:a16="http://schemas.microsoft.com/office/drawing/2014/main" val="922854537"/>
+                  </a:ext>
+                </a:extLst>
+              </a:tr>
+              <a:tr h="0">
+                <a:tc>
+                  <a:txBody>
+                    <a:bodyPr/>
+                    <a:lstStyle/>
+                    <a:p>
+                      <a:pPr>
+                        <a:buNone/>
+                      </a:pPr>
+                      <a:r>
+                        <a:rPr lang="en-US">
+                          <a:latin typeface="Courier New" panose="02070309020205020404" pitchFamily="49" charset="0"/>
+                        </a:rPr>
+                        <a:t>127.0.0.1:8080</a:t>
+                      </a:r>
+                      <a:endParaRPr lang="en-US"/>
+                    </a:p>
+                  </a:txBody>
+                  <a:tcPr anchor="ctr">
+                    <a:lnL w="12700" cap="flat" cmpd="sng" algn="ctr">
+                      <a:solidFill>
+                        <a:schemeClr val="tx1"/>
+                      </a:solidFill>
+                      <a:prstDash val="solid"/>
+                      <a:round/>
+                      <a:headEnd type="none" w="med" len="med"/>
+                      <a:tailEnd type="none" w="med" len="med"/>
+                    </a:lnL>
+                    <a:lnR w="12700" cap="flat" cmpd="sng" algn="ctr">
+                      <a:solidFill>
+                        <a:schemeClr val="tx1"/>
+                      </a:solidFill>
+                      <a:prstDash val="solid"/>
+                      <a:round/>
+                      <a:headEnd type="none" w="med" len="med"/>
+                      <a:tailEnd type="none" w="med" len="med"/>
+                    </a:lnR>
+                    <a:lnT w="12700" cap="flat" cmpd="sng" algn="ctr">
+                      <a:solidFill>
+                        <a:schemeClr val="tx1"/>
+                      </a:solidFill>
+                      <a:prstDash val="solid"/>
+                      <a:round/>
+                      <a:headEnd type="none" w="med" len="med"/>
+                      <a:tailEnd type="none" w="med" len="med"/>
+                    </a:lnT>
+                    <a:lnB w="12700" cap="flat" cmpd="sng" algn="ctr">
+                      <a:solidFill>
+                        <a:schemeClr val="tx1"/>
+                      </a:solidFill>
+                      <a:prstDash val="solid"/>
+                      <a:round/>
+                      <a:headEnd type="none" w="med" len="med"/>
+                      <a:tailEnd type="none" w="med" len="med"/>
+                    </a:lnB>
+                    <a:noFill/>
+                  </a:tcPr>
+                </a:tc>
+                <a:tc>
+                  <a:txBody>
+                    <a:bodyPr/>
+                    <a:lstStyle/>
+                    <a:p>
+                      <a:pPr>
+                        <a:buNone/>
+                      </a:pPr>
+                      <a:r>
+                        <a:rPr lang="en-US"/>
+                        <a:t>Apache VirtualHost 1</a:t>
+                      </a:r>
+                    </a:p>
+                  </a:txBody>
+                  <a:tcPr anchor="ctr">
+                    <a:lnL w="12700" cap="flat" cmpd="sng" algn="ctr">
+                      <a:solidFill>
+                        <a:schemeClr val="tx1"/>
+                      </a:solidFill>
+                      <a:prstDash val="solid"/>
+                      <a:round/>
+                      <a:headEnd type="none" w="med" len="med"/>
+                      <a:tailEnd type="none" w="med" len="med"/>
+                    </a:lnL>
+                    <a:lnR w="12700" cap="flat" cmpd="sng" algn="ctr">
+                      <a:solidFill>
+                        <a:schemeClr val="tx1"/>
+                      </a:solidFill>
+                      <a:prstDash val="solid"/>
+                      <a:round/>
+                      <a:headEnd type="none" w="med" len="med"/>
+                      <a:tailEnd type="none" w="med" len="med"/>
+                    </a:lnR>
+                    <a:lnT w="12700" cap="flat" cmpd="sng" algn="ctr">
+                      <a:solidFill>
+                        <a:schemeClr val="tx1"/>
+                      </a:solidFill>
+                      <a:prstDash val="solid"/>
+                      <a:round/>
+                      <a:headEnd type="none" w="med" len="med"/>
+                      <a:tailEnd type="none" w="med" len="med"/>
+                    </a:lnT>
+                    <a:lnB w="12700" cap="flat" cmpd="sng" algn="ctr">
+                      <a:solidFill>
+                        <a:schemeClr val="tx1"/>
+                      </a:solidFill>
+                      <a:prstDash val="solid"/>
+                      <a:round/>
+                      <a:headEnd type="none" w="med" len="med"/>
+                      <a:tailEnd type="none" w="med" len="med"/>
+                    </a:lnB>
+                    <a:noFill/>
+                  </a:tcPr>
+                </a:tc>
+                <a:extLst>
+                  <a:ext uri="{0D108BD9-81ED-4DB2-BD59-A6C34878D82A}">
+                    <a16:rowId xmlns:a16="http://schemas.microsoft.com/office/drawing/2014/main" val="134049110"/>
+                  </a:ext>
+                </a:extLst>
+              </a:tr>
+              <a:tr h="0">
+                <a:tc>
+                  <a:txBody>
+                    <a:bodyPr/>
+                    <a:lstStyle/>
+                    <a:p>
+                      <a:pPr>
+                        <a:buNone/>
+                      </a:pPr>
+                      <a:r>
+                        <a:rPr lang="en-US">
+                          <a:latin typeface="Courier New" panose="02070309020205020404" pitchFamily="49" charset="0"/>
+                        </a:rPr>
+                        <a:t>127.0.0.1:8081</a:t>
+                      </a:r>
+                      <a:endParaRPr lang="en-US"/>
+                    </a:p>
+                  </a:txBody>
+                  <a:tcPr anchor="ctr">
+                    <a:lnL w="12700" cap="flat" cmpd="sng" algn="ctr">
+                      <a:solidFill>
+                        <a:schemeClr val="tx1"/>
+                      </a:solidFill>
+                      <a:prstDash val="solid"/>
+                      <a:round/>
+                      <a:headEnd type="none" w="med" len="med"/>
+                      <a:tailEnd type="none" w="med" len="med"/>
+                    </a:lnL>
+                    <a:lnR w="12700" cap="flat" cmpd="sng" algn="ctr">
+                      <a:solidFill>
+                        <a:schemeClr val="tx1"/>
+                      </a:solidFill>
+                      <a:prstDash val="solid"/>
+                      <a:round/>
+                      <a:headEnd type="none" w="med" len="med"/>
+                      <a:tailEnd type="none" w="med" len="med"/>
+                    </a:lnR>
+                    <a:lnT w="12700" cap="flat" cmpd="sng" algn="ctr">
+                      <a:solidFill>
+                        <a:schemeClr val="tx1"/>
+                      </a:solidFill>
+                      <a:prstDash val="solid"/>
+                      <a:round/>
+                      <a:headEnd type="none" w="med" len="med"/>
+                      <a:tailEnd type="none" w="med" len="med"/>
+                    </a:lnT>
+                    <a:lnB w="12700" cap="flat" cmpd="sng" algn="ctr">
+                      <a:solidFill>
+                        <a:schemeClr val="tx1"/>
+                      </a:solidFill>
+                      <a:prstDash val="solid"/>
+                      <a:round/>
+                      <a:headEnd type="none" w="med" len="med"/>
+                      <a:tailEnd type="none" w="med" len="med"/>
+                    </a:lnB>
+                    <a:noFill/>
+                  </a:tcPr>
+                </a:tc>
+                <a:tc>
+                  <a:txBody>
+                    <a:bodyPr/>
+                    <a:lstStyle/>
+                    <a:p>
+                      <a:pPr>
+                        <a:buNone/>
+                      </a:pPr>
+                      <a:r>
+                        <a:rPr lang="en-US"/>
+                        <a:t>Apache VirtualHost 2</a:t>
+                      </a:r>
+                    </a:p>
+                  </a:txBody>
+                  <a:tcPr anchor="ctr">
+                    <a:lnL w="12700" cap="flat" cmpd="sng" algn="ctr">
+                      <a:solidFill>
+                        <a:schemeClr val="tx1"/>
+                      </a:solidFill>
+                      <a:prstDash val="solid"/>
+                      <a:round/>
+                      <a:headEnd type="none" w="med" len="med"/>
+                      <a:tailEnd type="none" w="med" len="med"/>
+                    </a:lnL>
+                    <a:lnR w="12700" cap="flat" cmpd="sng" algn="ctr">
+                      <a:solidFill>
+                        <a:schemeClr val="tx1"/>
+                      </a:solidFill>
+                      <a:prstDash val="solid"/>
+                      <a:round/>
+                      <a:headEnd type="none" w="med" len="med"/>
+                      <a:tailEnd type="none" w="med" len="med"/>
+                    </a:lnR>
+                    <a:lnT w="12700" cap="flat" cmpd="sng" algn="ctr">
+                      <a:solidFill>
+                        <a:schemeClr val="tx1"/>
+                      </a:solidFill>
+                      <a:prstDash val="solid"/>
+                      <a:round/>
+                      <a:headEnd type="none" w="med" len="med"/>
+                      <a:tailEnd type="none" w="med" len="med"/>
+                    </a:lnT>
+                    <a:lnB w="12700" cap="flat" cmpd="sng" algn="ctr">
+                      <a:solidFill>
+                        <a:schemeClr val="tx1"/>
+                      </a:solidFill>
+                      <a:prstDash val="solid"/>
+                      <a:round/>
+                      <a:headEnd type="none" w="med" len="med"/>
+                      <a:tailEnd type="none" w="med" len="med"/>
+                    </a:lnB>
+                    <a:noFill/>
+                  </a:tcPr>
+                </a:tc>
+                <a:extLst>
+                  <a:ext uri="{0D108BD9-81ED-4DB2-BD59-A6C34878D82A}">
+                    <a16:rowId xmlns:a16="http://schemas.microsoft.com/office/drawing/2014/main" val="3397528809"/>
+                  </a:ext>
+                </a:extLst>
+              </a:tr>
+              <a:tr h="0">
+                <a:tc>
+                  <a:txBody>
+                    <a:bodyPr/>
+                    <a:lstStyle/>
+                    <a:p>
+                      <a:pPr>
+                        <a:buNone/>
+                      </a:pPr>
+                      <a:r>
+                        <a:rPr lang="en-US">
+                          <a:latin typeface="Courier New" panose="02070309020205020404" pitchFamily="49" charset="0"/>
+                        </a:rPr>
+                        <a:t>127.0.0.1:8082</a:t>
+                      </a:r>
+                      <a:endParaRPr lang="en-US"/>
+                    </a:p>
+                  </a:txBody>
+                  <a:tcPr anchor="ctr">
+                    <a:lnL w="12700" cap="flat" cmpd="sng" algn="ctr">
+                      <a:solidFill>
+                        <a:schemeClr val="tx1"/>
+                      </a:solidFill>
+                      <a:prstDash val="solid"/>
+                      <a:round/>
+                      <a:headEnd type="none" w="med" len="med"/>
+                      <a:tailEnd type="none" w="med" len="med"/>
+                    </a:lnL>
+                    <a:lnR w="12700" cap="flat" cmpd="sng" algn="ctr">
+                      <a:solidFill>
+                        <a:schemeClr val="tx1"/>
+                      </a:solidFill>
+                      <a:prstDash val="solid"/>
+                      <a:round/>
+                      <a:headEnd type="none" w="med" len="med"/>
+                      <a:tailEnd type="none" w="med" len="med"/>
+                    </a:lnR>
+                    <a:lnT w="12700" cap="flat" cmpd="sng" algn="ctr">
+                      <a:solidFill>
+                        <a:schemeClr val="tx1"/>
+                      </a:solidFill>
+                      <a:prstDash val="solid"/>
+                      <a:round/>
+                      <a:headEnd type="none" w="med" len="med"/>
+                      <a:tailEnd type="none" w="med" len="med"/>
+                    </a:lnT>
+                    <a:lnB w="12700" cap="flat" cmpd="sng" algn="ctr">
+                      <a:solidFill>
+                        <a:schemeClr val="tx1"/>
+                      </a:solidFill>
+                      <a:prstDash val="solid"/>
+                      <a:round/>
+                      <a:headEnd type="none" w="med" len="med"/>
+                      <a:tailEnd type="none" w="med" len="med"/>
+                    </a:lnB>
+                    <a:noFill/>
+                  </a:tcPr>
+                </a:tc>
+                <a:tc>
+                  <a:txBody>
+                    <a:bodyPr/>
+                    <a:lstStyle/>
+                    <a:p>
+                      <a:pPr>
+                        <a:buNone/>
+                      </a:pPr>
+                      <a:r>
+                        <a:rPr lang="en-US"/>
+                        <a:t>Apache VirtualHost 3</a:t>
+                      </a:r>
+                    </a:p>
+                  </a:txBody>
+                  <a:tcPr anchor="ctr">
+                    <a:lnL w="12700" cap="flat" cmpd="sng" algn="ctr">
+                      <a:solidFill>
+                        <a:schemeClr val="tx1"/>
+                      </a:solidFill>
+                      <a:prstDash val="solid"/>
+                      <a:round/>
+                      <a:headEnd type="none" w="med" len="med"/>
+                      <a:tailEnd type="none" w="med" len="med"/>
+                    </a:lnL>
+                    <a:lnR w="12700" cap="flat" cmpd="sng" algn="ctr">
+                      <a:solidFill>
+                        <a:schemeClr val="tx1"/>
+                      </a:solidFill>
+                      <a:prstDash val="solid"/>
+                      <a:round/>
+                      <a:headEnd type="none" w="med" len="med"/>
+                      <a:tailEnd type="none" w="med" len="med"/>
+                    </a:lnR>
+                    <a:lnT w="12700" cap="flat" cmpd="sng" algn="ctr">
+                      <a:solidFill>
+                        <a:schemeClr val="tx1"/>
+                      </a:solidFill>
+                      <a:prstDash val="solid"/>
+                      <a:round/>
+                      <a:headEnd type="none" w="med" len="med"/>
+                      <a:tailEnd type="none" w="med" len="med"/>
+                    </a:lnT>
+                    <a:lnB w="12700" cap="flat" cmpd="sng" algn="ctr">
+                      <a:solidFill>
+                        <a:schemeClr val="tx1"/>
+                      </a:solidFill>
+                      <a:prstDash val="solid"/>
+                      <a:round/>
+                      <a:headEnd type="none" w="med" len="med"/>
+                      <a:tailEnd type="none" w="med" len="med"/>
+                    </a:lnB>
+                    <a:noFill/>
+                  </a:tcPr>
+                </a:tc>
+                <a:extLst>
+                  <a:ext uri="{0D108BD9-81ED-4DB2-BD59-A6C34878D82A}">
+                    <a16:rowId xmlns:a16="http://schemas.microsoft.com/office/drawing/2014/main" val="1928063646"/>
+                  </a:ext>
+                </a:extLst>
+              </a:tr>
+            </a:tbl>
+          </a:graphicData>
+        </a:graphic>
+      </p:graphicFrame>
     </p:spTree>
     <p:extLst>
       <p:ext uri="{BB962C8B-B14F-4D97-AF65-F5344CB8AC3E}">
@@ -23823,7 +25182,7 @@
         <p:spPr>
           <a:xfrm>
             <a:off x="203200" y="244826"/>
-            <a:ext cx="11822545" cy="276999"/>
+            <a:ext cx="11822545" cy="5049716"/>
           </a:xfrm>
           <a:prstGeom prst="rect">
             <a:avLst/>
@@ -23836,14 +25195,324 @@
           </a:bodyPr>
           <a:lstStyle/>
           <a:p>
+            <a:pPr>
+              <a:lnSpc>
+                <a:spcPct val="150000"/>
+              </a:lnSpc>
+            </a:pPr>
             <a:r>
               <a:rPr lang="az-Latn-AZ" sz="1200"/>
-              <a:t>.</a:t>
+              <a:t>b) </a:t>
+            </a:r>
+            <a:r>
+              <a:rPr lang="az-Latn-AZ" sz="1200" b="1">
+                <a:solidFill>
+                  <a:srgbClr val="FF0000"/>
+                </a:solidFill>
+              </a:rPr>
+              <a:t>ln -s /etc/nginx/sites-available/upstream /etc/nginx/sites-enabled/upstream  </a:t>
+            </a:r>
+            <a:r>
+              <a:rPr lang="az-Latn-AZ" sz="1200"/>
+              <a:t>- Bu əmrlə sən upstream adlı konfiqurasiya faylını aktivləşdirirsən.  Symbolic link ( </a:t>
+            </a:r>
+            <a:r>
+              <a:rPr lang="az-Latn-AZ" sz="1200" b="1">
+                <a:solidFill>
+                  <a:srgbClr val="FF0000"/>
+                </a:solidFill>
+              </a:rPr>
+              <a:t>ln -s</a:t>
+            </a:r>
+            <a:r>
+              <a:rPr lang="az-Latn-AZ" sz="1200"/>
+              <a:t> ) yaradaraq, sites-enabled qovluğuna keçirdirik.</a:t>
+            </a:r>
+          </a:p>
+          <a:p>
+            <a:pPr>
+              <a:lnSpc>
+                <a:spcPct val="150000"/>
+              </a:lnSpc>
+            </a:pPr>
+            <a:endParaRPr lang="az-Latn-AZ" sz="1200"/>
+          </a:p>
+          <a:p>
+            <a:pPr>
+              <a:lnSpc>
+                <a:spcPct val="150000"/>
+              </a:lnSpc>
+            </a:pPr>
+            <a:r>
+              <a:rPr lang="az-Latn-AZ" sz="1200"/>
+              <a:t>c) </a:t>
+            </a:r>
+            <a:r>
+              <a:rPr lang="en-US" sz="1200" b="1">
+                <a:solidFill>
+                  <a:srgbClr val="FF0000"/>
+                </a:solidFill>
+              </a:rPr>
+              <a:t>ls -l /etc/nginx/sites-enabled/upstream</a:t>
+            </a:r>
+            <a:r>
+              <a:rPr lang="az-Latn-AZ" sz="1200" b="1">
+                <a:solidFill>
+                  <a:srgbClr val="FF0000"/>
+                </a:solidFill>
+              </a:rPr>
+              <a:t> </a:t>
+            </a:r>
+            <a:r>
+              <a:rPr lang="az-Latn-AZ" sz="1200"/>
+              <a:t>- Bu da simvolik linkin düzgün yaradıldığını yoxlayır.</a:t>
+            </a:r>
+          </a:p>
+          <a:p>
+            <a:pPr>
+              <a:lnSpc>
+                <a:spcPct val="150000"/>
+              </a:lnSpc>
+            </a:pPr>
+            <a:endParaRPr lang="az-Latn-AZ" sz="1200"/>
+          </a:p>
+          <a:p>
+            <a:pPr>
+              <a:lnSpc>
+                <a:spcPct val="150000"/>
+              </a:lnSpc>
+            </a:pPr>
+            <a:endParaRPr lang="az-Latn-AZ" sz="1200"/>
+          </a:p>
+          <a:p>
+            <a:pPr>
+              <a:lnSpc>
+                <a:spcPct val="150000"/>
+              </a:lnSpc>
+            </a:pPr>
+            <a:endParaRPr lang="az-Latn-AZ" sz="1200"/>
+          </a:p>
+          <a:p>
+            <a:pPr>
+              <a:lnSpc>
+                <a:spcPct val="150000"/>
+              </a:lnSpc>
+            </a:pPr>
+            <a:endParaRPr lang="az-Latn-AZ" sz="1200"/>
+          </a:p>
+          <a:p>
+            <a:pPr>
+              <a:lnSpc>
+                <a:spcPct val="150000"/>
+              </a:lnSpc>
+            </a:pPr>
+            <a:endParaRPr lang="az-Latn-AZ" sz="1200"/>
+          </a:p>
+          <a:p>
+            <a:pPr>
+              <a:lnSpc>
+                <a:spcPct val="150000"/>
+              </a:lnSpc>
+            </a:pPr>
+            <a:endParaRPr lang="az-Latn-AZ" sz="1200"/>
+          </a:p>
+          <a:p>
+            <a:pPr>
+              <a:lnSpc>
+                <a:spcPct val="150000"/>
+              </a:lnSpc>
+            </a:pPr>
+            <a:r>
+              <a:rPr lang="az-Latn-AZ" sz="1200"/>
+              <a:t>d) Sonra serverləri reload edirik. </a:t>
+            </a:r>
+            <a:r>
+              <a:rPr lang="az-Latn-AZ" sz="1200" b="1"/>
+              <a:t>nginx</a:t>
+            </a:r>
+            <a:r>
+              <a:rPr lang="az-Latn-AZ" sz="1200"/>
+              <a:t> yazmaqla </a:t>
+            </a:r>
+            <a:r>
+              <a:rPr lang="az-Latn-AZ" sz="1200" b="1"/>
+              <a:t>nginx.service </a:t>
+            </a:r>
+            <a:r>
+              <a:rPr lang="az-Latn-AZ" sz="1200"/>
+              <a:t>yazmaq arasında heç bir fərq yoxdur.</a:t>
+            </a:r>
+          </a:p>
+          <a:p>
+            <a:pPr>
+              <a:lnSpc>
+                <a:spcPct val="150000"/>
+              </a:lnSpc>
+            </a:pPr>
+            <a:r>
+              <a:rPr lang="az-Latn-AZ" sz="1200" b="1">
+                <a:solidFill>
+                  <a:srgbClr val="FF0000"/>
+                </a:solidFill>
+              </a:rPr>
+              <a:t>systemctl reload nginx</a:t>
+            </a:r>
+          </a:p>
+          <a:p>
+            <a:pPr>
+              <a:lnSpc>
+                <a:spcPct val="150000"/>
+              </a:lnSpc>
+            </a:pPr>
+            <a:r>
+              <a:rPr lang="az-Latn-AZ" sz="1200" b="1">
+                <a:solidFill>
+                  <a:srgbClr val="FF0000"/>
+                </a:solidFill>
+              </a:rPr>
+              <a:t>systemctl reload nginx.service</a:t>
+            </a:r>
+          </a:p>
+          <a:p>
+            <a:pPr>
+              <a:lnSpc>
+                <a:spcPct val="150000"/>
+              </a:lnSpc>
+            </a:pPr>
+            <a:r>
+              <a:rPr lang="az-Latn-AZ" sz="1200" b="1">
+                <a:solidFill>
+                  <a:srgbClr val="FF0000"/>
+                </a:solidFill>
+              </a:rPr>
+              <a:t>systemctl reload apache2</a:t>
+            </a:r>
+          </a:p>
+          <a:p>
+            <a:pPr>
+              <a:lnSpc>
+                <a:spcPct val="150000"/>
+              </a:lnSpc>
+            </a:pPr>
+            <a:endParaRPr lang="az-Latn-AZ" sz="1200"/>
+          </a:p>
+          <a:p>
+            <a:pPr>
+              <a:lnSpc>
+                <a:spcPct val="150000"/>
+              </a:lnSpc>
+            </a:pPr>
+            <a:r>
+              <a:rPr lang="az-Latn-AZ" sz="1200"/>
+              <a:t>e) </a:t>
+            </a:r>
+            <a:r>
+              <a:rPr lang="az-Latn-AZ" sz="1200" b="1">
+                <a:solidFill>
+                  <a:srgbClr val="FF0000"/>
+                </a:solidFill>
+              </a:rPr>
+              <a:t>systemctl status nginx.service </a:t>
+            </a:r>
+            <a:r>
+              <a:rPr lang="az-Latn-AZ" sz="1200"/>
+              <a:t>- bu əmr Nginx-in statusunu göstərir: Aktivdirmi? Portda işləyirmi? Logda problem varmı?</a:t>
+            </a:r>
+          </a:p>
+          <a:p>
+            <a:pPr>
+              <a:lnSpc>
+                <a:spcPct val="150000"/>
+              </a:lnSpc>
+            </a:pPr>
+            <a:endParaRPr lang="az-Latn-AZ" sz="1200"/>
+          </a:p>
+          <a:p>
+            <a:pPr>
+              <a:lnSpc>
+                <a:spcPct val="150000"/>
+              </a:lnSpc>
+            </a:pPr>
+            <a:r>
+              <a:rPr lang="az-Latn-AZ" sz="1200"/>
+              <a:t>f) </a:t>
+            </a:r>
+            <a:r>
+              <a:rPr lang="az-Latn-AZ" sz="1200" b="1">
+                <a:solidFill>
+                  <a:srgbClr val="FF0000"/>
+                </a:solidFill>
+              </a:rPr>
+              <a:t>netstat -tnlp </a:t>
+            </a:r>
+            <a:r>
+              <a:rPr lang="az-Latn-AZ" sz="1200"/>
+              <a:t>- əmri ilədə hansı portların aktiv olduğunu yoxlaya bilərsiz.</a:t>
             </a:r>
             <a:endParaRPr lang="en-US" sz="1200"/>
           </a:p>
         </p:txBody>
       </p:sp>
+      <p:pic>
+        <p:nvPicPr>
+          <p:cNvPr id="3" name="Picture 2">
+            <a:extLst>
+              <a:ext uri="{FF2B5EF4-FFF2-40B4-BE49-F238E27FC236}">
+                <a16:creationId xmlns:a16="http://schemas.microsoft.com/office/drawing/2014/main" id="{A8E93D6C-0FF0-1A3B-0BEC-5684887177FE}"/>
+              </a:ext>
+            </a:extLst>
+          </p:cNvPr>
+          <p:cNvPicPr>
+            <a:picLocks noChangeAspect="1"/>
+          </p:cNvPicPr>
+          <p:nvPr/>
+        </p:nvPicPr>
+        <p:blipFill>
+          <a:blip r:embed="rId2"/>
+          <a:stretch>
+            <a:fillRect/>
+          </a:stretch>
+        </p:blipFill>
+        <p:spPr>
+          <a:xfrm>
+            <a:off x="203200" y="1613701"/>
+            <a:ext cx="6839905" cy="933580"/>
+          </a:xfrm>
+          <a:prstGeom prst="rect">
+            <a:avLst/>
+          </a:prstGeom>
+        </p:spPr>
+      </p:pic>
+      <p:pic>
+        <p:nvPicPr>
+          <p:cNvPr id="5" name="Picture 4">
+            <a:extLst>
+              <a:ext uri="{FF2B5EF4-FFF2-40B4-BE49-F238E27FC236}">
+                <a16:creationId xmlns:a16="http://schemas.microsoft.com/office/drawing/2014/main" id="{BB3DA373-F0FC-2E2C-7024-E5F089823007}"/>
+              </a:ext>
+            </a:extLst>
+          </p:cNvPr>
+          <p:cNvPicPr>
+            <a:picLocks noChangeAspect="1"/>
+          </p:cNvPicPr>
+          <p:nvPr/>
+        </p:nvPicPr>
+        <p:blipFill>
+          <a:blip r:embed="rId3"/>
+          <a:stretch>
+            <a:fillRect/>
+          </a:stretch>
+        </p:blipFill>
+        <p:spPr>
+          <a:xfrm>
+            <a:off x="203200" y="5294542"/>
+            <a:ext cx="7849695" cy="1571844"/>
+          </a:xfrm>
+          <a:prstGeom prst="rect">
+            <a:avLst/>
+          </a:prstGeom>
+        </p:spPr>
+      </p:pic>
     </p:spTree>
     <p:extLst>
       <p:ext uri="{BB962C8B-B14F-4D97-AF65-F5344CB8AC3E}">
@@ -23895,7 +25564,7 @@
         <p:spPr>
           <a:xfrm>
             <a:off x="203200" y="244826"/>
-            <a:ext cx="11822545" cy="276999"/>
+            <a:ext cx="11822545" cy="5816977"/>
           </a:xfrm>
           <a:prstGeom prst="rect">
             <a:avLst/>
@@ -23910,12 +25579,267 @@
           <a:p>
             <a:r>
               <a:rPr lang="az-Latn-AZ" sz="1200"/>
-              <a:t>.</a:t>
-            </a:r>
+              <a:t>g) serveri </a:t>
+            </a:r>
+            <a:r>
+              <a:rPr lang="az-Latn-AZ" sz="1200" b="1"/>
+              <a:t>reload</a:t>
+            </a:r>
+            <a:r>
+              <a:rPr lang="az-Latn-AZ" sz="1200"/>
+              <a:t> etdikdə əgər aşağıdakı kimi xəta çıxarsa, </a:t>
+            </a:r>
+            <a:r>
+              <a:rPr lang="az-Latn-AZ" sz="1200" b="1"/>
+              <a:t>default</a:t>
+            </a:r>
+            <a:r>
+              <a:rPr lang="az-Latn-AZ" sz="1200"/>
+              <a:t> faylını silin.</a:t>
+            </a:r>
+          </a:p>
+          <a:p>
+            <a:endParaRPr lang="az-Latn-AZ" sz="1200"/>
+          </a:p>
+          <a:p>
+            <a:endParaRPr lang="az-Latn-AZ" sz="1200"/>
+          </a:p>
+          <a:p>
+            <a:endParaRPr lang="az-Latn-AZ" sz="1200"/>
+          </a:p>
+          <a:p>
+            <a:endParaRPr lang="az-Latn-AZ" sz="1200"/>
+          </a:p>
+          <a:p>
+            <a:endParaRPr lang="az-Latn-AZ" sz="1200"/>
+          </a:p>
+          <a:p>
+            <a:endParaRPr lang="az-Latn-AZ" sz="1200"/>
+          </a:p>
+          <a:p>
+            <a:endParaRPr lang="az-Latn-AZ" sz="1200"/>
+          </a:p>
+          <a:p>
+            <a:endParaRPr lang="az-Latn-AZ" sz="1200"/>
+          </a:p>
+          <a:p>
+            <a:endParaRPr lang="az-Latn-AZ" sz="1200"/>
+          </a:p>
+          <a:p>
+            <a:endParaRPr lang="az-Latn-AZ" sz="1200"/>
+          </a:p>
+          <a:p>
+            <a:endParaRPr lang="az-Latn-AZ" sz="1200"/>
+          </a:p>
+          <a:p>
+            <a:endParaRPr lang="az-Latn-AZ" sz="1200"/>
+          </a:p>
+          <a:p>
+            <a:endParaRPr lang="az-Latn-AZ" sz="1200"/>
+          </a:p>
+          <a:p>
+            <a:endParaRPr lang="az-Latn-AZ" sz="1200"/>
+          </a:p>
+          <a:p>
+            <a:endParaRPr lang="az-Latn-AZ" sz="1200"/>
+          </a:p>
+          <a:p>
+            <a:endParaRPr lang="az-Latn-AZ" sz="1200"/>
+          </a:p>
+          <a:p>
+            <a:endParaRPr lang="az-Latn-AZ" sz="1200"/>
+          </a:p>
+          <a:p>
+            <a:endParaRPr lang="az-Latn-AZ" sz="1200"/>
+          </a:p>
+          <a:p>
+            <a:endParaRPr lang="az-Latn-AZ" sz="1200"/>
+          </a:p>
+          <a:p>
+            <a:r>
+              <a:rPr lang="az-Latn-AZ" sz="1200"/>
+              <a:t>h) </a:t>
+            </a:r>
+            <a:r>
+              <a:rPr lang="az-Latn-AZ" sz="1200" b="1"/>
+              <a:t>Nginx vasitəsilə test edirik:</a:t>
+            </a:r>
+            <a:r>
+              <a:rPr lang="az-Latn-AZ" sz="1200"/>
+              <a:t> terminalda yaxud brazuerdə (məsləhət deyil çünki məlumatlar keşlənir. Gərək hər dəfə keçi təmizləyəsiz) yaza bilərik: </a:t>
+            </a:r>
+            <a:r>
+              <a:rPr lang="az-Latn-AZ" sz="1200" b="1">
+                <a:solidFill>
+                  <a:srgbClr val="FF0000"/>
+                </a:solidFill>
+              </a:rPr>
+              <a:t>curl http://127.0.0.1 </a:t>
+            </a:r>
+          </a:p>
+          <a:p>
+            <a:endParaRPr lang="az-Latn-AZ" sz="1200"/>
+          </a:p>
+          <a:p>
+            <a:r>
+              <a:rPr lang="az-Latn-AZ" sz="1200"/>
+              <a:t>Bizə</a:t>
+            </a:r>
+            <a:r>
+              <a:rPr lang="en-US" sz="1200"/>
+              <a:t> bu nəticələrdən biri gəlməlidir:</a:t>
+            </a:r>
+          </a:p>
+          <a:p>
+            <a:pPr marL="171450" indent="-171450">
+              <a:lnSpc>
+                <a:spcPct val="150000"/>
+              </a:lnSpc>
+              <a:buFont typeface="Arial" panose="020B0604020202020204" pitchFamily="34" charset="0"/>
+              <a:buChar char="•"/>
+            </a:pPr>
+            <a:r>
+              <a:rPr lang="en-US" sz="1200"/>
+              <a:t>This is apache1</a:t>
+            </a:r>
+          </a:p>
+          <a:p>
+            <a:pPr marL="171450" indent="-171450">
+              <a:lnSpc>
+                <a:spcPct val="150000"/>
+              </a:lnSpc>
+              <a:buFont typeface="Arial" panose="020B0604020202020204" pitchFamily="34" charset="0"/>
+              <a:buChar char="•"/>
+            </a:pPr>
+            <a:r>
+              <a:rPr lang="en-US" sz="1200"/>
+              <a:t>This is apache2</a:t>
+            </a:r>
+          </a:p>
+          <a:p>
+            <a:pPr marL="171450" indent="-171450">
+              <a:lnSpc>
+                <a:spcPct val="150000"/>
+              </a:lnSpc>
+              <a:buFont typeface="Arial" panose="020B0604020202020204" pitchFamily="34" charset="0"/>
+              <a:buChar char="•"/>
+            </a:pPr>
+            <a:r>
+              <a:rPr lang="en-US" sz="1200"/>
+              <a:t>This is apache3</a:t>
+            </a:r>
+            <a:endParaRPr lang="az-Latn-AZ" sz="1200"/>
+          </a:p>
+          <a:p>
+            <a:pPr marL="171450" indent="-171450">
+              <a:lnSpc>
+                <a:spcPct val="150000"/>
+              </a:lnSpc>
+              <a:buFont typeface="Arial" panose="020B0604020202020204" pitchFamily="34" charset="0"/>
+              <a:buChar char="•"/>
+            </a:pPr>
+            <a:endParaRPr lang="en-US" sz="1200"/>
+          </a:p>
+          <a:p>
+            <a:r>
+              <a:rPr lang="en-US" sz="1200"/>
+              <a:t>Nəticə </a:t>
+            </a:r>
+            <a:r>
+              <a:rPr lang="en-US" sz="1200" b="1"/>
+              <a:t>dəyişə bilər</a:t>
+            </a:r>
+            <a:r>
+              <a:rPr lang="en-US" sz="1200"/>
+              <a:t>, çünki </a:t>
+            </a:r>
+            <a:r>
+              <a:rPr lang="en-US" sz="1200" b="1"/>
+              <a:t>upstream</a:t>
+            </a:r>
+            <a:r>
+              <a:rPr lang="en-US" sz="1200"/>
+              <a:t> Nginx tərəfindən </a:t>
+            </a:r>
+            <a:r>
+              <a:rPr lang="en-US" sz="1200" b="1"/>
+              <a:t>round-robin</a:t>
+            </a:r>
+            <a:r>
+              <a:rPr lang="en-US" sz="1200"/>
+              <a:t> (dövrəvi) üsulu ilə işləyir.</a:t>
+            </a:r>
+            <a:r>
+              <a:rPr lang="az-Latn-AZ" sz="1200"/>
+              <a:t> Eyni məlumat 10-15 dəfə təkrar gələ bilər. Onun üçün ən azı 20 dəfə yazın eyni əmri.</a:t>
+            </a:r>
+            <a:endParaRPr lang="en-US" sz="1200"/>
+          </a:p>
+          <a:p>
             <a:endParaRPr lang="en-US" sz="1200"/>
           </a:p>
         </p:txBody>
       </p:sp>
+      <p:pic>
+        <p:nvPicPr>
+          <p:cNvPr id="5" name="Picture 4">
+            <a:extLst>
+              <a:ext uri="{FF2B5EF4-FFF2-40B4-BE49-F238E27FC236}">
+                <a16:creationId xmlns:a16="http://schemas.microsoft.com/office/drawing/2014/main" id="{D3C8B065-24D4-34C3-3B41-933372DA679F}"/>
+              </a:ext>
+            </a:extLst>
+          </p:cNvPr>
+          <p:cNvPicPr>
+            <a:picLocks noChangeAspect="1"/>
+          </p:cNvPicPr>
+          <p:nvPr/>
+        </p:nvPicPr>
+        <p:blipFill>
+          <a:blip r:embed="rId2"/>
+          <a:stretch>
+            <a:fillRect/>
+          </a:stretch>
+        </p:blipFill>
+        <p:spPr>
+          <a:xfrm>
+            <a:off x="0" y="633768"/>
+            <a:ext cx="7020905" cy="2619741"/>
+          </a:xfrm>
+          <a:prstGeom prst="rect">
+            <a:avLst/>
+          </a:prstGeom>
+        </p:spPr>
+      </p:pic>
+      <p:pic>
+        <p:nvPicPr>
+          <p:cNvPr id="8" name="Picture 7">
+            <a:extLst>
+              <a:ext uri="{FF2B5EF4-FFF2-40B4-BE49-F238E27FC236}">
+                <a16:creationId xmlns:a16="http://schemas.microsoft.com/office/drawing/2014/main" id="{7510A874-1379-5060-4CDC-E97F7C858FD1}"/>
+              </a:ext>
+            </a:extLst>
+          </p:cNvPr>
+          <p:cNvPicPr>
+            <a:picLocks noChangeAspect="1"/>
+          </p:cNvPicPr>
+          <p:nvPr/>
+        </p:nvPicPr>
+        <p:blipFill>
+          <a:blip r:embed="rId3"/>
+          <a:stretch>
+            <a:fillRect/>
+          </a:stretch>
+        </p:blipFill>
+        <p:spPr>
+          <a:xfrm>
+            <a:off x="0" y="5865575"/>
+            <a:ext cx="1838036" cy="1003970"/>
+          </a:xfrm>
+          <a:prstGeom prst="rect">
+            <a:avLst/>
+          </a:prstGeom>
+        </p:spPr>
+      </p:pic>
     </p:spTree>
     <p:extLst>
       <p:ext uri="{BB962C8B-B14F-4D97-AF65-F5344CB8AC3E}">
@@ -23967,7 +25891,7 @@
         <p:spPr>
           <a:xfrm>
             <a:off x="203200" y="244826"/>
-            <a:ext cx="11822545" cy="276999"/>
+            <a:ext cx="11822545" cy="5447645"/>
           </a:xfrm>
           <a:prstGeom prst="rect">
             <a:avLst/>
@@ -23982,12 +25906,199 @@
           <a:p>
             <a:r>
               <a:rPr lang="az-Latn-AZ" sz="1200"/>
-              <a:t>.</a:t>
-            </a:r>
+              <a:t>QEYD: əgər nəticə olmasa onda, </a:t>
+            </a:r>
+            <a:r>
+              <a:rPr lang="az-Latn-AZ" sz="1200" b="1">
+                <a:solidFill>
+                  <a:srgbClr val="FF0000"/>
+                </a:solidFill>
+              </a:rPr>
+              <a:t>mousepad /etc/nginx/sites-available/upstream </a:t>
+            </a:r>
+            <a:r>
+              <a:rPr lang="az-Latn-AZ" sz="1200"/>
+              <a:t>faylında aşağıdakı kodu yazın.</a:t>
+            </a:r>
+          </a:p>
+          <a:p>
+            <a:endParaRPr lang="az-Latn-AZ" sz="1200"/>
+          </a:p>
+          <a:p>
+            <a:endParaRPr lang="az-Latn-AZ" sz="1200"/>
+          </a:p>
+          <a:p>
+            <a:endParaRPr lang="az-Latn-AZ" sz="1200"/>
+          </a:p>
+          <a:p>
+            <a:endParaRPr lang="az-Latn-AZ" sz="1200"/>
+          </a:p>
+          <a:p>
+            <a:endParaRPr lang="az-Latn-AZ" sz="1200"/>
+          </a:p>
+          <a:p>
+            <a:endParaRPr lang="az-Latn-AZ" sz="1200"/>
+          </a:p>
+          <a:p>
+            <a:endParaRPr lang="az-Latn-AZ" sz="1200"/>
+          </a:p>
+          <a:p>
+            <a:endParaRPr lang="az-Latn-AZ" sz="1200"/>
+          </a:p>
+          <a:p>
+            <a:endParaRPr lang="az-Latn-AZ" sz="1200"/>
+          </a:p>
+          <a:p>
+            <a:endParaRPr lang="az-Latn-AZ" sz="1200"/>
+          </a:p>
+          <a:p>
+            <a:endParaRPr lang="az-Latn-AZ" sz="1200"/>
+          </a:p>
+          <a:p>
+            <a:endParaRPr lang="az-Latn-AZ" sz="1200"/>
+          </a:p>
+          <a:p>
+            <a:endParaRPr lang="az-Latn-AZ" sz="1200"/>
+          </a:p>
+          <a:p>
+            <a:endParaRPr lang="az-Latn-AZ" sz="1200"/>
+          </a:p>
+          <a:p>
+            <a:endParaRPr lang="az-Latn-AZ" sz="1200"/>
+          </a:p>
+          <a:p>
+            <a:endParaRPr lang="az-Latn-AZ" sz="1200"/>
+          </a:p>
+          <a:p>
+            <a:endParaRPr lang="az-Latn-AZ" sz="1200"/>
+          </a:p>
+          <a:p>
+            <a:endParaRPr lang="az-Latn-AZ" sz="1200"/>
+          </a:p>
+          <a:p>
+            <a:endParaRPr lang="az-Latn-AZ" sz="1200"/>
+          </a:p>
+          <a:p>
+            <a:endParaRPr lang="az-Latn-AZ" sz="1200"/>
+          </a:p>
+          <a:p>
+            <a:endParaRPr lang="az-Latn-AZ" sz="1200"/>
+          </a:p>
+          <a:p>
+            <a:endParaRPr lang="az-Latn-AZ" sz="1200"/>
+          </a:p>
+          <a:p>
+            <a:endParaRPr lang="az-Latn-AZ" sz="1200"/>
+          </a:p>
+          <a:p>
+            <a:endParaRPr lang="az-Latn-AZ" sz="1200"/>
+          </a:p>
+          <a:p>
+            <a:pPr marL="285750" indent="-285750">
+              <a:buAutoNum type="romanLcParenR"/>
+            </a:pPr>
+            <a:r>
+              <a:rPr lang="en-US" sz="1200"/>
+              <a:t>Test üçün bu əmri istifadə edə də bilərsiz (avtoomatik sorğu göndərməsi üçün):</a:t>
+            </a:r>
+            <a:r>
+              <a:rPr lang="az-Latn-AZ" sz="1200"/>
+              <a:t> </a:t>
+            </a:r>
+            <a:r>
+              <a:rPr lang="en-US" sz="1200" b="1">
+                <a:solidFill>
+                  <a:srgbClr val="FF0000"/>
+                </a:solidFill>
+              </a:rPr>
+              <a:t>for i in {1..10}; do curl -s http://127.0.0.1; echo ""; sleep 1; done</a:t>
+            </a:r>
+            <a:endParaRPr lang="az-Latn-AZ" sz="1200" b="1">
+              <a:solidFill>
+                <a:srgbClr val="FF0000"/>
+              </a:solidFill>
+            </a:endParaRPr>
+          </a:p>
+          <a:p>
+            <a:pPr marL="285750" indent="-285750">
+              <a:buAutoNum type="romanLcParenR"/>
+            </a:pPr>
+            <a:endParaRPr lang="az-Latn-AZ" sz="1200"/>
+          </a:p>
+          <a:p>
+            <a:pPr marL="285750" indent="-285750">
+              <a:buAutoNum type="romanLcParenR"/>
+            </a:pPr>
+            <a:endParaRPr lang="az-Latn-AZ" sz="1200"/>
+          </a:p>
+          <a:p>
+            <a:pPr marL="285750" indent="-285750">
+              <a:buAutoNum type="romanLcParenR"/>
+            </a:pPr>
             <a:endParaRPr lang="en-US" sz="1200"/>
           </a:p>
         </p:txBody>
       </p:sp>
+      <p:pic>
+        <p:nvPicPr>
+          <p:cNvPr id="3" name="Picture 2">
+            <a:extLst>
+              <a:ext uri="{FF2B5EF4-FFF2-40B4-BE49-F238E27FC236}">
+                <a16:creationId xmlns:a16="http://schemas.microsoft.com/office/drawing/2014/main" id="{064B0077-6B05-9E91-53AD-444979A426BD}"/>
+              </a:ext>
+            </a:extLst>
+          </p:cNvPr>
+          <p:cNvPicPr>
+            <a:picLocks noChangeAspect="1"/>
+          </p:cNvPicPr>
+          <p:nvPr/>
+        </p:nvPicPr>
+        <p:blipFill>
+          <a:blip r:embed="rId2"/>
+          <a:stretch>
+            <a:fillRect/>
+          </a:stretch>
+        </p:blipFill>
+        <p:spPr>
+          <a:xfrm>
+            <a:off x="203200" y="651134"/>
+            <a:ext cx="4696480" cy="3877216"/>
+          </a:xfrm>
+          <a:prstGeom prst="rect">
+            <a:avLst/>
+          </a:prstGeom>
+        </p:spPr>
+      </p:pic>
+      <p:pic>
+        <p:nvPicPr>
+          <p:cNvPr id="5" name="Picture 4">
+            <a:extLst>
+              <a:ext uri="{FF2B5EF4-FFF2-40B4-BE49-F238E27FC236}">
+                <a16:creationId xmlns:a16="http://schemas.microsoft.com/office/drawing/2014/main" id="{C30073F8-64A2-68AF-F812-838E290689D9}"/>
+              </a:ext>
+            </a:extLst>
+          </p:cNvPr>
+          <p:cNvPicPr>
+            <a:picLocks noChangeAspect="1"/>
+          </p:cNvPicPr>
+          <p:nvPr/>
+        </p:nvPicPr>
+        <p:blipFill>
+          <a:blip r:embed="rId3"/>
+          <a:stretch>
+            <a:fillRect/>
+          </a:stretch>
+        </p:blipFill>
+        <p:spPr>
+          <a:xfrm>
+            <a:off x="203200" y="5193269"/>
+            <a:ext cx="5725324" cy="295316"/>
+          </a:xfrm>
+          <a:prstGeom prst="rect">
+            <a:avLst/>
+          </a:prstGeom>
+        </p:spPr>
+      </p:pic>
     </p:spTree>
     <p:extLst>
       <p:ext uri="{BB962C8B-B14F-4D97-AF65-F5344CB8AC3E}">
